--- a/Dokumentacija/Prezentacija/Trojanski napadi na modele za semantičku segmentaciju.pptx
+++ b/Dokumentacija/Prezentacija/Trojanski napadi na modele za semantičku segmentaciju.pptx
@@ -13,14 +13,14 @@
     <p:sldId id="270" r:id="rId4"/>
     <p:sldId id="259" r:id="rId5"/>
     <p:sldId id="274" r:id="rId6"/>
-    <p:sldId id="271" r:id="rId7"/>
-    <p:sldId id="272" r:id="rId8"/>
-    <p:sldId id="275" r:id="rId9"/>
-    <p:sldId id="276" r:id="rId10"/>
-    <p:sldId id="277" r:id="rId11"/>
+    <p:sldId id="276" r:id="rId7"/>
+    <p:sldId id="283" r:id="rId8"/>
+    <p:sldId id="271" r:id="rId9"/>
+    <p:sldId id="272" r:id="rId10"/>
+    <p:sldId id="275" r:id="rId11"/>
     <p:sldId id="278" r:id="rId12"/>
     <p:sldId id="279" r:id="rId13"/>
-    <p:sldId id="281" r:id="rId14"/>
+    <p:sldId id="284" r:id="rId14"/>
     <p:sldId id="269" r:id="rId15"/>
     <p:sldId id="282" r:id="rId16"/>
     <p:sldId id="273" r:id="rId17"/>
@@ -542,7 +542,7 @@
           <a:p>
             <a:fld id="{801240A7-1366-4C0F-98FF-2F422F619A42}" type="datetimeFigureOut">
               <a:rPr lang="hr-HR" smtClean="0"/>
-              <a:t>27.2.2024.</a:t>
+              <a:t>13.5.2024.</a:t>
             </a:fld>
             <a:endParaRPr lang="hr-HR"/>
           </a:p>
@@ -1004,7 +1004,7 @@
           <a:p>
             <a:fld id="{0F1F23FC-4593-46A0-8627-4FB4898CFE6A}" type="datetime1">
               <a:rPr lang="hr-HR" smtClean="0"/>
-              <a:t>27.2.2024.</a:t>
+              <a:t>13.5.2024.</a:t>
             </a:fld>
             <a:endParaRPr lang="hr-HR"/>
           </a:p>
@@ -1174,7 +1174,7 @@
           <a:p>
             <a:fld id="{56F918B9-EC1B-42EF-AB1E-95EA9FD610BC}" type="datetime1">
               <a:rPr lang="hr-HR" smtClean="0"/>
-              <a:t>27.2.2024.</a:t>
+              <a:t>13.5.2024.</a:t>
             </a:fld>
             <a:endParaRPr lang="hr-HR"/>
           </a:p>
@@ -1395,7 +1395,7 @@
           <a:p>
             <a:fld id="{F8AD8DD4-0AF3-4ED7-BE2E-274005469ABE}" type="datetime1">
               <a:rPr lang="hr-HR" smtClean="0"/>
-              <a:t>27.2.2024.</a:t>
+              <a:t>13.5.2024.</a:t>
             </a:fld>
             <a:endParaRPr lang="hr-HR"/>
           </a:p>
@@ -1606,7 +1606,7 @@
           <a:p>
             <a:fld id="{ACA0ACB3-5091-4E8D-88CE-5CB41D1F94E4}" type="datetime1">
               <a:rPr lang="hr-HR" smtClean="0"/>
-              <a:t>27.2.2024.</a:t>
+              <a:t>13.5.2024.</a:t>
             </a:fld>
             <a:endParaRPr lang="hr-HR"/>
           </a:p>
@@ -1901,7 +1901,7 @@
           <a:p>
             <a:fld id="{684ABAD5-E044-47F1-9C1C-22208BB38EE9}" type="datetime1">
               <a:rPr lang="hr-HR" smtClean="0"/>
-              <a:t>27.2.2024.</a:t>
+              <a:t>13.5.2024.</a:t>
             </a:fld>
             <a:endParaRPr lang="hr-HR"/>
           </a:p>
@@ -2230,7 +2230,7 @@
           <a:p>
             <a:fld id="{CBD5BDE3-FA6D-4164-BC33-C23781A6C8ED}" type="datetime1">
               <a:rPr lang="hr-HR" smtClean="0"/>
-              <a:t>27.2.2024.</a:t>
+              <a:t>13.5.2024.</a:t>
             </a:fld>
             <a:endParaRPr lang="hr-HR"/>
           </a:p>
@@ -2722,7 +2722,7 @@
           <a:p>
             <a:fld id="{DFD043E5-98DB-45CA-B0FE-489768F0BE00}" type="datetime1">
               <a:rPr lang="hr-HR" smtClean="0"/>
-              <a:t>27.2.2024.</a:t>
+              <a:t>13.5.2024.</a:t>
             </a:fld>
             <a:endParaRPr lang="hr-HR"/>
           </a:p>
@@ -2881,7 +2881,7 @@
           <a:p>
             <a:fld id="{B96AF0EA-D5EC-42BC-9A9B-B30ACC298175}" type="datetime1">
               <a:rPr lang="hr-HR" smtClean="0"/>
-              <a:t>27.2.2024.</a:t>
+              <a:t>13.5.2024.</a:t>
             </a:fld>
             <a:endParaRPr lang="hr-HR"/>
           </a:p>
@@ -3017,7 +3017,7 @@
           <a:p>
             <a:fld id="{7CB844D9-2224-4AF6-B510-D2B34AAEED69}" type="datetime1">
               <a:rPr lang="hr-HR" smtClean="0"/>
-              <a:t>27.2.2024.</a:t>
+              <a:t>13.5.2024.</a:t>
             </a:fld>
             <a:endParaRPr lang="hr-HR"/>
           </a:p>
@@ -3345,7 +3345,7 @@
           <a:p>
             <a:fld id="{58D0D55C-8349-440B-B556-98656E46A162}" type="datetime1">
               <a:rPr lang="hr-HR" smtClean="0"/>
-              <a:t>27.2.2024.</a:t>
+              <a:t>13.5.2024.</a:t>
             </a:fld>
             <a:endParaRPr lang="hr-HR"/>
           </a:p>
@@ -3660,7 +3660,7 @@
           <a:p>
             <a:fld id="{A7CCABBD-3797-4C2E-A7D8-DA98DA04BB92}" type="datetime1">
               <a:rPr lang="hr-HR" smtClean="0"/>
-              <a:t>27.2.2024.</a:t>
+              <a:t>13.5.2024.</a:t>
             </a:fld>
             <a:endParaRPr lang="hr-HR"/>
           </a:p>
@@ -3912,7 +3912,7 @@
           <a:p>
             <a:fld id="{419F11F9-7281-45ED-B795-9A46AD1413F0}" type="datetime1">
               <a:rPr lang="hr-HR" smtClean="0"/>
-              <a:t>27.2.2024.</a:t>
+              <a:t>13.5.2024.</a:t>
             </a:fld>
             <a:endParaRPr lang="hr-HR"/>
           </a:p>
@@ -4516,7 +4516,7 @@
         <p:cNvPr id="1" name="">
           <a:extLst>
             <a:ext uri="{FF2B5EF4-FFF2-40B4-BE49-F238E27FC236}">
-              <a16:creationId xmlns:a16="http://schemas.microsoft.com/office/drawing/2014/main" id="{6D763D24-E9BB-24E2-84BA-645CB496BDEB}"/>
+              <a16:creationId xmlns:a16="http://schemas.microsoft.com/office/drawing/2014/main" id="{FE0DBD1C-68E7-5E75-09C5-EA54D7A7BEEB}"/>
             </a:ext>
           </a:extLst>
         </p:cNvPr>
@@ -4536,7 +4536,7 @@
           <p:cNvPr id="2" name="Title 1">
             <a:extLst>
               <a:ext uri="{FF2B5EF4-FFF2-40B4-BE49-F238E27FC236}">
-                <a16:creationId xmlns:a16="http://schemas.microsoft.com/office/drawing/2014/main" id="{D55DAB37-580A-F547-BC3D-59DFE1B88FFA}"/>
+                <a16:creationId xmlns:a16="http://schemas.microsoft.com/office/drawing/2014/main" id="{D215C781-CEB8-714A-5AA0-FFD600263194}"/>
               </a:ext>
             </a:extLst>
           </p:cNvPr>
@@ -4557,7 +4557,7 @@
                 <a:latin typeface="Arial" panose="020B0604020202020204" pitchFamily="34" charset="0"/>
                 <a:cs typeface="Arial" panose="020B0604020202020204" pitchFamily="34" charset="0"/>
               </a:rPr>
-              <a:t>Izvedba trovanja</a:t>
+              <a:t>Arhitektura</a:t>
             </a:r>
             <a:endParaRPr lang="hr-HR" dirty="0">
               <a:latin typeface="Arial" panose="020B0604020202020204" pitchFamily="34" charset="0"/>
@@ -4571,7 +4571,7 @@
           <p:cNvPr id="3" name="Content Placeholder 2">
             <a:extLst>
               <a:ext uri="{FF2B5EF4-FFF2-40B4-BE49-F238E27FC236}">
-                <a16:creationId xmlns:a16="http://schemas.microsoft.com/office/drawing/2014/main" id="{B158D57B-1F13-63FC-39F6-81C41B1A9FB8}"/>
+                <a16:creationId xmlns:a16="http://schemas.microsoft.com/office/drawing/2014/main" id="{5BE35DB9-C387-A812-3D29-C964A0A77276}"/>
               </a:ext>
             </a:extLst>
           </p:cNvPr>
@@ -4584,17 +4584,17 @@
         </p:nvSpPr>
         <p:spPr>
           <a:xfrm>
-            <a:off x="1861546" y="5482302"/>
-            <a:ext cx="908285" cy="493380"/>
+            <a:off x="1261872" y="1828801"/>
+            <a:ext cx="7678198" cy="618370"/>
           </a:xfrm>
         </p:spPr>
         <p:txBody>
           <a:bodyPr>
-            <a:normAutofit lnSpcReduction="10000"/>
+            <a:normAutofit/>
           </a:bodyPr>
           <a:lstStyle/>
           <a:p>
-            <a:pPr marL="0" indent="0" algn="l" rtl="0" eaLnBrk="1" latinLnBrk="0" hangingPunct="1">
+            <a:pPr marL="182880" indent="-182880" algn="l" rtl="0" eaLnBrk="1" latinLnBrk="0" hangingPunct="1">
               <a:lnSpc>
                 <a:spcPct val="95000"/>
               </a:lnSpc>
@@ -4608,19 +4608,22 @@
                 <a:schemeClr val="accent1"/>
               </a:buClr>
               <a:buSzPct val="80000"/>
-              <a:buNone/>
+              <a:buFont typeface="Arial" panose="020B0604020202020204" pitchFamily="34" charset="0"/>
+              <a:buChar char="•"/>
             </a:pPr>
             <a:r>
-              <a:rPr lang="hr-HR" sz="2800" dirty="0">
+              <a:rPr lang="hr-HR" sz="2800" b="1" kern="1200" spc="10" baseline="0" dirty="0">
                 <a:solidFill>
                   <a:srgbClr val="595959"/>
                 </a:solidFill>
-                <a:latin typeface="Arial" panose="020B0604020202020204" pitchFamily="34" charset="0"/>
+                <a:effectLst/>
+                <a:latin typeface="Arial" panose="020B0604020202020204" pitchFamily="34" charset="0"/>
+                <a:ea typeface="+mn-ea"/>
                 <a:cs typeface="Arial" panose="020B0604020202020204" pitchFamily="34" charset="0"/>
               </a:rPr>
-              <a:t>Ulaz</a:t>
-            </a:r>
-            <a:endParaRPr lang="hr-HR" sz="2800" dirty="0">
+              <a:t>Single-Scale SwiftNet</a:t>
+            </a:r>
+            <a:endParaRPr lang="hr-HR" sz="2800" b="1" dirty="0">
               <a:effectLst/>
             </a:endParaRPr>
           </a:p>
@@ -4631,7 +4634,7 @@
           <p:cNvPr id="4" name="Slide Number Placeholder 3">
             <a:extLst>
               <a:ext uri="{FF2B5EF4-FFF2-40B4-BE49-F238E27FC236}">
-                <a16:creationId xmlns:a16="http://schemas.microsoft.com/office/drawing/2014/main" id="{96F3DD63-5808-41D8-7076-6C62B29B1884}"/>
+                <a16:creationId xmlns:a16="http://schemas.microsoft.com/office/drawing/2014/main" id="{A3834E6B-D63B-BC3F-DB36-64ECEFA8F645}"/>
               </a:ext>
             </a:extLst>
           </p:cNvPr>
@@ -4657,679 +4660,57 @@
           </a:p>
         </p:txBody>
       </p:sp>
-      <p:sp>
-        <p:nvSpPr>
-          <p:cNvPr id="7" name="Content Placeholder 2">
+      <p:pic>
+        <p:nvPicPr>
+          <p:cNvPr id="5122" name="Picture 2">
             <a:extLst>
               <a:ext uri="{FF2B5EF4-FFF2-40B4-BE49-F238E27FC236}">
-                <a16:creationId xmlns:a16="http://schemas.microsoft.com/office/drawing/2014/main" id="{93C3E10C-A455-8C3A-4FFD-8CFA5AA3FCB9}"/>
+                <a16:creationId xmlns:a16="http://schemas.microsoft.com/office/drawing/2014/main" id="{E2D28566-D02A-167A-2786-AE0E9B894796}"/>
               </a:ext>
             </a:extLst>
           </p:cNvPr>
-          <p:cNvSpPr txBox="1">
-            <a:spLocks/>
-          </p:cNvSpPr>
+          <p:cNvPicPr>
+            <a:picLocks noChangeAspect="1" noChangeArrowheads="1"/>
+          </p:cNvPicPr>
           <p:nvPr/>
-        </p:nvSpPr>
-        <p:spPr>
+        </p:nvPicPr>
+        <p:blipFill>
+          <a:blip r:embed="rId2">
+            <a:extLst>
+              <a:ext uri="{28A0092B-C50C-407E-A947-70E740481C1C}">
+                <a14:useLocalDpi xmlns:a14="http://schemas.microsoft.com/office/drawing/2010/main" val="0"/>
+              </a:ext>
+            </a:extLst>
+          </a:blip>
+          <a:srcRect/>
+          <a:stretch>
+            <a:fillRect/>
+          </a:stretch>
+        </p:blipFill>
+        <p:spPr bwMode="auto">
           <a:xfrm>
-            <a:off x="7997856" y="5484782"/>
-            <a:ext cx="2908461" cy="493380"/>
+            <a:off x="2875182" y="2441789"/>
+            <a:ext cx="6112716" cy="4122013"/>
           </a:xfrm>
           <a:prstGeom prst="rect">
             <a:avLst/>
           </a:prstGeom>
-        </p:spPr>
-        <p:txBody>
-          <a:bodyPr vert="horz" lIns="91440" tIns="45720" rIns="91440" bIns="45720" rtlCol="0">
-            <a:noAutofit/>
-          </a:bodyPr>
-          <a:lstStyle>
-            <a:lvl1pPr marL="182880" indent="-182880" algn="l" defTabSz="914400" rtl="0" eaLnBrk="1" latinLnBrk="0" hangingPunct="1">
-              <a:lnSpc>
-                <a:spcPct val="95000"/>
-              </a:lnSpc>
-              <a:spcBef>
-                <a:spcPts val="1400"/>
-              </a:spcBef>
-              <a:spcAft>
-                <a:spcPts val="200"/>
-              </a:spcAft>
-              <a:buClr>
-                <a:schemeClr val="accent1"/>
-              </a:buClr>
-              <a:buSzPct val="80000"/>
-              <a:buFont typeface="Arial" pitchFamily="34" charset="0"/>
-              <a:buChar char="•"/>
-              <a:defRPr sz="2000" kern="1200" spc="10" baseline="0">
+          <a:noFill/>
+          <a:extLst>
+            <a:ext uri="{909E8E84-426E-40DD-AFC4-6F175D3DCCD1}">
+              <a14:hiddenFill xmlns:a14="http://schemas.microsoft.com/office/drawing/2010/main">
                 <a:solidFill>
-                  <a:schemeClr val="tx1">
-                    <a:lumMod val="65000"/>
-                    <a:lumOff val="35000"/>
-                  </a:schemeClr>
+                  <a:srgbClr val="FFFFFF"/>
                 </a:solidFill>
-                <a:latin typeface="+mn-lt"/>
-                <a:ea typeface="+mn-ea"/>
-                <a:cs typeface="+mn-cs"/>
-              </a:defRPr>
-            </a:lvl1pPr>
-            <a:lvl2pPr marL="457200" indent="-182880" algn="l" defTabSz="914400" rtl="0" eaLnBrk="1" latinLnBrk="0" hangingPunct="1">
-              <a:lnSpc>
-                <a:spcPct val="90000"/>
-              </a:lnSpc>
-              <a:spcBef>
-                <a:spcPts val="300"/>
-              </a:spcBef>
-              <a:spcAft>
-                <a:spcPts val="300"/>
-              </a:spcAft>
-              <a:buClr>
-                <a:schemeClr val="accent1"/>
-              </a:buClr>
-              <a:buFont typeface="Wingdings 2" pitchFamily="18" charset="2"/>
-              <a:buChar char=""/>
-              <a:defRPr sz="1800" kern="1200">
-                <a:solidFill>
-                  <a:schemeClr val="tx1">
-                    <a:lumMod val="65000"/>
-                    <a:lumOff val="35000"/>
-                  </a:schemeClr>
-                </a:solidFill>
-                <a:latin typeface="+mn-lt"/>
-                <a:ea typeface="+mn-ea"/>
-                <a:cs typeface="+mn-cs"/>
-              </a:defRPr>
-            </a:lvl2pPr>
-            <a:lvl3pPr marL="731520" indent="-182880" algn="l" defTabSz="914400" rtl="0" eaLnBrk="1" latinLnBrk="0" hangingPunct="1">
-              <a:lnSpc>
-                <a:spcPct val="90000"/>
-              </a:lnSpc>
-              <a:spcBef>
-                <a:spcPts val="300"/>
-              </a:spcBef>
-              <a:spcAft>
-                <a:spcPts val="300"/>
-              </a:spcAft>
-              <a:buClr>
-                <a:schemeClr val="accent1"/>
-              </a:buClr>
-              <a:buFont typeface="Wingdings 2" pitchFamily="18" charset="2"/>
-              <a:buChar char=""/>
-              <a:defRPr sz="1600" kern="1200">
-                <a:solidFill>
-                  <a:schemeClr val="tx1">
-                    <a:lumMod val="65000"/>
-                    <a:lumOff val="35000"/>
-                  </a:schemeClr>
-                </a:solidFill>
-                <a:latin typeface="+mn-lt"/>
-                <a:ea typeface="+mn-ea"/>
-                <a:cs typeface="+mn-cs"/>
-              </a:defRPr>
-            </a:lvl3pPr>
-            <a:lvl4pPr marL="1005840" indent="-182880" algn="l" defTabSz="914400" rtl="0" eaLnBrk="1" latinLnBrk="0" hangingPunct="1">
-              <a:lnSpc>
-                <a:spcPct val="90000"/>
-              </a:lnSpc>
-              <a:spcBef>
-                <a:spcPts val="300"/>
-              </a:spcBef>
-              <a:spcAft>
-                <a:spcPts val="300"/>
-              </a:spcAft>
-              <a:buClr>
-                <a:schemeClr val="accent1"/>
-              </a:buClr>
-              <a:buFont typeface="Wingdings 2" pitchFamily="18" charset="2"/>
-              <a:buChar char=""/>
-              <a:defRPr sz="1400" kern="1200">
-                <a:solidFill>
-                  <a:schemeClr val="tx1">
-                    <a:lumMod val="65000"/>
-                    <a:lumOff val="35000"/>
-                  </a:schemeClr>
-                </a:solidFill>
-                <a:latin typeface="+mn-lt"/>
-                <a:ea typeface="+mn-ea"/>
-                <a:cs typeface="+mn-cs"/>
-              </a:defRPr>
-            </a:lvl4pPr>
-            <a:lvl5pPr marL="1280160" indent="-182880" algn="l" defTabSz="914400" rtl="0" eaLnBrk="1" latinLnBrk="0" hangingPunct="1">
-              <a:lnSpc>
-                <a:spcPct val="90000"/>
-              </a:lnSpc>
-              <a:spcBef>
-                <a:spcPts val="300"/>
-              </a:spcBef>
-              <a:spcAft>
-                <a:spcPts val="300"/>
-              </a:spcAft>
-              <a:buClr>
-                <a:schemeClr val="accent1"/>
-              </a:buClr>
-              <a:buFont typeface="Wingdings 2" pitchFamily="18" charset="2"/>
-              <a:buChar char=""/>
-              <a:defRPr sz="1400" kern="1200">
-                <a:solidFill>
-                  <a:schemeClr val="tx1">
-                    <a:lumMod val="65000"/>
-                    <a:lumOff val="35000"/>
-                  </a:schemeClr>
-                </a:solidFill>
-                <a:latin typeface="+mn-lt"/>
-                <a:ea typeface="+mn-ea"/>
-                <a:cs typeface="+mn-cs"/>
-              </a:defRPr>
-            </a:lvl5pPr>
-            <a:lvl6pPr marL="1600000" indent="-228600" algn="l" defTabSz="914400" rtl="0" eaLnBrk="1" latinLnBrk="0" hangingPunct="1">
-              <a:lnSpc>
-                <a:spcPct val="90000"/>
-              </a:lnSpc>
-              <a:spcBef>
-                <a:spcPts val="300"/>
-              </a:spcBef>
-              <a:spcAft>
-                <a:spcPts val="300"/>
-              </a:spcAft>
-              <a:buClr>
-                <a:schemeClr val="accent1"/>
-              </a:buClr>
-              <a:buFont typeface="Wingdings 2" pitchFamily="18" charset="2"/>
-              <a:buChar char=""/>
-              <a:defRPr sz="1400" kern="1200">
-                <a:solidFill>
-                  <a:schemeClr val="tx1">
-                    <a:lumMod val="65000"/>
-                    <a:lumOff val="35000"/>
-                  </a:schemeClr>
-                </a:solidFill>
-                <a:latin typeface="+mn-lt"/>
-                <a:ea typeface="+mn-ea"/>
-                <a:cs typeface="+mn-cs"/>
-              </a:defRPr>
-            </a:lvl6pPr>
-            <a:lvl7pPr marL="1900000" indent="-228600" algn="l" defTabSz="914400" rtl="0" eaLnBrk="1" latinLnBrk="0" hangingPunct="1">
-              <a:lnSpc>
-                <a:spcPct val="90000"/>
-              </a:lnSpc>
-              <a:spcBef>
-                <a:spcPts val="300"/>
-              </a:spcBef>
-              <a:spcAft>
-                <a:spcPts val="300"/>
-              </a:spcAft>
-              <a:buClr>
-                <a:schemeClr val="accent1"/>
-              </a:buClr>
-              <a:buFont typeface="Wingdings 2" pitchFamily="18" charset="2"/>
-              <a:buChar char=""/>
-              <a:defRPr sz="1400" kern="1200">
-                <a:solidFill>
-                  <a:schemeClr val="tx1">
-                    <a:lumMod val="65000"/>
-                    <a:lumOff val="35000"/>
-                  </a:schemeClr>
-                </a:solidFill>
-                <a:latin typeface="+mn-lt"/>
-                <a:ea typeface="+mn-ea"/>
-                <a:cs typeface="+mn-cs"/>
-              </a:defRPr>
-            </a:lvl7pPr>
-            <a:lvl8pPr marL="2200000" indent="-228600" algn="l" defTabSz="914400" rtl="0" eaLnBrk="1" latinLnBrk="0" hangingPunct="1">
-              <a:lnSpc>
-                <a:spcPct val="90000"/>
-              </a:lnSpc>
-              <a:spcBef>
-                <a:spcPts val="300"/>
-              </a:spcBef>
-              <a:spcAft>
-                <a:spcPts val="300"/>
-              </a:spcAft>
-              <a:buClr>
-                <a:schemeClr val="accent1"/>
-              </a:buClr>
-              <a:buFont typeface="Wingdings 2" pitchFamily="18" charset="2"/>
-              <a:buChar char=""/>
-              <a:defRPr sz="1400" kern="1200">
-                <a:solidFill>
-                  <a:schemeClr val="tx1">
-                    <a:lumMod val="65000"/>
-                    <a:lumOff val="35000"/>
-                  </a:schemeClr>
-                </a:solidFill>
-                <a:latin typeface="+mn-lt"/>
-                <a:ea typeface="+mn-ea"/>
-                <a:cs typeface="+mn-cs"/>
-              </a:defRPr>
-            </a:lvl8pPr>
-            <a:lvl9pPr marL="2500000" indent="-228600" algn="l" defTabSz="914400" rtl="0" eaLnBrk="1" latinLnBrk="0" hangingPunct="1">
-              <a:lnSpc>
-                <a:spcPct val="90000"/>
-              </a:lnSpc>
-              <a:spcBef>
-                <a:spcPts val="300"/>
-              </a:spcBef>
-              <a:spcAft>
-                <a:spcPts val="300"/>
-              </a:spcAft>
-              <a:buClr>
-                <a:schemeClr val="accent1"/>
-              </a:buClr>
-              <a:buFont typeface="Wingdings 2" pitchFamily="18" charset="2"/>
-              <a:buChar char=""/>
-              <a:defRPr sz="1400" kern="1200">
-                <a:solidFill>
-                  <a:schemeClr val="tx1">
-                    <a:lumMod val="65000"/>
-                    <a:lumOff val="35000"/>
-                  </a:schemeClr>
-                </a:solidFill>
-                <a:latin typeface="+mn-lt"/>
-                <a:ea typeface="+mn-ea"/>
-                <a:cs typeface="+mn-cs"/>
-              </a:defRPr>
-            </a:lvl9pPr>
-          </a:lstStyle>
-          <a:p>
-            <a:pPr marL="0" indent="0">
-              <a:buNone/>
-            </a:pPr>
-            <a:r>
-              <a:rPr lang="hr-HR" sz="2800" dirty="0">
-                <a:solidFill>
-                  <a:srgbClr val="595959"/>
-                </a:solidFill>
-                <a:latin typeface="Arial" panose="020B0604020202020204" pitchFamily="34" charset="0"/>
-                <a:cs typeface="Arial" panose="020B0604020202020204" pitchFamily="34" charset="0"/>
-              </a:rPr>
-              <a:t>Razina primjerka</a:t>
-            </a:r>
-            <a:endParaRPr lang="hr-HR" sz="2800" dirty="0"/>
-          </a:p>
-        </p:txBody>
-      </p:sp>
-      <p:pic>
-        <p:nvPicPr>
-          <p:cNvPr id="8" name="Picture 7">
-            <a:extLst>
-              <a:ext uri="{FF2B5EF4-FFF2-40B4-BE49-F238E27FC236}">
-                <a16:creationId xmlns:a16="http://schemas.microsoft.com/office/drawing/2014/main" id="{95282390-7348-9D32-38AA-1093F764B987}"/>
-              </a:ext>
-            </a:extLst>
-          </p:cNvPr>
-          <p:cNvPicPr>
-            <a:picLocks noChangeAspect="1"/>
-          </p:cNvPicPr>
-          <p:nvPr/>
-        </p:nvPicPr>
-        <p:blipFill rotWithShape="1">
-          <a:blip r:embed="rId2"/>
-          <a:srcRect l="1441" t="1335" r="1542" b="1505"/>
-          <a:stretch/>
-        </p:blipFill>
-        <p:spPr>
-          <a:xfrm>
-            <a:off x="724766" y="2887924"/>
-            <a:ext cx="3181847" cy="2382959"/>
-          </a:xfrm>
-          <a:prstGeom prst="rect">
-            <a:avLst/>
-          </a:prstGeom>
-        </p:spPr>
-      </p:pic>
-      <p:pic>
-        <p:nvPicPr>
-          <p:cNvPr id="12" name="Picture 11">
-            <a:extLst>
-              <a:ext uri="{FF2B5EF4-FFF2-40B4-BE49-F238E27FC236}">
-                <a16:creationId xmlns:a16="http://schemas.microsoft.com/office/drawing/2014/main" id="{A68A3D52-7A57-11D2-9718-11F57BCF6BEB}"/>
-              </a:ext>
-            </a:extLst>
-          </p:cNvPr>
-          <p:cNvPicPr>
-            <a:picLocks noChangeAspect="1"/>
-          </p:cNvPicPr>
-          <p:nvPr/>
-        </p:nvPicPr>
-        <p:blipFill rotWithShape="1">
-          <a:blip r:embed="rId3"/>
-          <a:srcRect l="1183" t="2128" r="1220" b="2208"/>
-          <a:stretch/>
-        </p:blipFill>
-        <p:spPr>
-          <a:xfrm>
-            <a:off x="7860160" y="2887923"/>
-            <a:ext cx="3183855" cy="2382959"/>
-          </a:xfrm>
-          <a:prstGeom prst="rect">
-            <a:avLst/>
-          </a:prstGeom>
-        </p:spPr>
-      </p:pic>
-      <p:sp>
-        <p:nvSpPr>
-          <p:cNvPr id="13" name="Content Placeholder 2">
-            <a:extLst>
-              <a:ext uri="{FF2B5EF4-FFF2-40B4-BE49-F238E27FC236}">
-                <a16:creationId xmlns:a16="http://schemas.microsoft.com/office/drawing/2014/main" id="{D590832D-14D5-E0A0-BBFF-A118EE974BAA}"/>
-              </a:ext>
-            </a:extLst>
-          </p:cNvPr>
-          <p:cNvSpPr txBox="1">
-            <a:spLocks/>
-          </p:cNvSpPr>
-          <p:nvPr/>
-        </p:nvSpPr>
-        <p:spPr>
-          <a:xfrm>
-            <a:off x="4815678" y="5482302"/>
-            <a:ext cx="2135416" cy="493380"/>
-          </a:xfrm>
-          <a:prstGeom prst="rect">
-            <a:avLst/>
-          </a:prstGeom>
-        </p:spPr>
-        <p:txBody>
-          <a:bodyPr vert="horz" lIns="91440" tIns="45720" rIns="91440" bIns="45720" rtlCol="0">
-            <a:normAutofit lnSpcReduction="10000"/>
-          </a:bodyPr>
-          <a:lstStyle>
-            <a:lvl1pPr marL="182880" indent="-182880" algn="l" defTabSz="914400" rtl="0" eaLnBrk="1" latinLnBrk="0" hangingPunct="1">
-              <a:lnSpc>
-                <a:spcPct val="95000"/>
-              </a:lnSpc>
-              <a:spcBef>
-                <a:spcPts val="1400"/>
-              </a:spcBef>
-              <a:spcAft>
-                <a:spcPts val="200"/>
-              </a:spcAft>
-              <a:buClr>
-                <a:schemeClr val="accent1"/>
-              </a:buClr>
-              <a:buSzPct val="80000"/>
-              <a:buFont typeface="Arial" pitchFamily="34" charset="0"/>
-              <a:buChar char="•"/>
-              <a:defRPr sz="2000" kern="1200" spc="10" baseline="0">
-                <a:solidFill>
-                  <a:schemeClr val="tx1">
-                    <a:lumMod val="65000"/>
-                    <a:lumOff val="35000"/>
-                  </a:schemeClr>
-                </a:solidFill>
-                <a:latin typeface="+mn-lt"/>
-                <a:ea typeface="+mn-ea"/>
-                <a:cs typeface="+mn-cs"/>
-              </a:defRPr>
-            </a:lvl1pPr>
-            <a:lvl2pPr marL="457200" indent="-182880" algn="l" defTabSz="914400" rtl="0" eaLnBrk="1" latinLnBrk="0" hangingPunct="1">
-              <a:lnSpc>
-                <a:spcPct val="90000"/>
-              </a:lnSpc>
-              <a:spcBef>
-                <a:spcPts val="300"/>
-              </a:spcBef>
-              <a:spcAft>
-                <a:spcPts val="300"/>
-              </a:spcAft>
-              <a:buClr>
-                <a:schemeClr val="accent1"/>
-              </a:buClr>
-              <a:buFont typeface="Wingdings 2" pitchFamily="18" charset="2"/>
-              <a:buChar char=""/>
-              <a:defRPr sz="1800" kern="1200">
-                <a:solidFill>
-                  <a:schemeClr val="tx1">
-                    <a:lumMod val="65000"/>
-                    <a:lumOff val="35000"/>
-                  </a:schemeClr>
-                </a:solidFill>
-                <a:latin typeface="+mn-lt"/>
-                <a:ea typeface="+mn-ea"/>
-                <a:cs typeface="+mn-cs"/>
-              </a:defRPr>
-            </a:lvl2pPr>
-            <a:lvl3pPr marL="731520" indent="-182880" algn="l" defTabSz="914400" rtl="0" eaLnBrk="1" latinLnBrk="0" hangingPunct="1">
-              <a:lnSpc>
-                <a:spcPct val="90000"/>
-              </a:lnSpc>
-              <a:spcBef>
-                <a:spcPts val="300"/>
-              </a:spcBef>
-              <a:spcAft>
-                <a:spcPts val="300"/>
-              </a:spcAft>
-              <a:buClr>
-                <a:schemeClr val="accent1"/>
-              </a:buClr>
-              <a:buFont typeface="Wingdings 2" pitchFamily="18" charset="2"/>
-              <a:buChar char=""/>
-              <a:defRPr sz="1600" kern="1200">
-                <a:solidFill>
-                  <a:schemeClr val="tx1">
-                    <a:lumMod val="65000"/>
-                    <a:lumOff val="35000"/>
-                  </a:schemeClr>
-                </a:solidFill>
-                <a:latin typeface="+mn-lt"/>
-                <a:ea typeface="+mn-ea"/>
-                <a:cs typeface="+mn-cs"/>
-              </a:defRPr>
-            </a:lvl3pPr>
-            <a:lvl4pPr marL="1005840" indent="-182880" algn="l" defTabSz="914400" rtl="0" eaLnBrk="1" latinLnBrk="0" hangingPunct="1">
-              <a:lnSpc>
-                <a:spcPct val="90000"/>
-              </a:lnSpc>
-              <a:spcBef>
-                <a:spcPts val="300"/>
-              </a:spcBef>
-              <a:spcAft>
-                <a:spcPts val="300"/>
-              </a:spcAft>
-              <a:buClr>
-                <a:schemeClr val="accent1"/>
-              </a:buClr>
-              <a:buFont typeface="Wingdings 2" pitchFamily="18" charset="2"/>
-              <a:buChar char=""/>
-              <a:defRPr sz="1400" kern="1200">
-                <a:solidFill>
-                  <a:schemeClr val="tx1">
-                    <a:lumMod val="65000"/>
-                    <a:lumOff val="35000"/>
-                  </a:schemeClr>
-                </a:solidFill>
-                <a:latin typeface="+mn-lt"/>
-                <a:ea typeface="+mn-ea"/>
-                <a:cs typeface="+mn-cs"/>
-              </a:defRPr>
-            </a:lvl4pPr>
-            <a:lvl5pPr marL="1280160" indent="-182880" algn="l" defTabSz="914400" rtl="0" eaLnBrk="1" latinLnBrk="0" hangingPunct="1">
-              <a:lnSpc>
-                <a:spcPct val="90000"/>
-              </a:lnSpc>
-              <a:spcBef>
-                <a:spcPts val="300"/>
-              </a:spcBef>
-              <a:spcAft>
-                <a:spcPts val="300"/>
-              </a:spcAft>
-              <a:buClr>
-                <a:schemeClr val="accent1"/>
-              </a:buClr>
-              <a:buFont typeface="Wingdings 2" pitchFamily="18" charset="2"/>
-              <a:buChar char=""/>
-              <a:defRPr sz="1400" kern="1200">
-                <a:solidFill>
-                  <a:schemeClr val="tx1">
-                    <a:lumMod val="65000"/>
-                    <a:lumOff val="35000"/>
-                  </a:schemeClr>
-                </a:solidFill>
-                <a:latin typeface="+mn-lt"/>
-                <a:ea typeface="+mn-ea"/>
-                <a:cs typeface="+mn-cs"/>
-              </a:defRPr>
-            </a:lvl5pPr>
-            <a:lvl6pPr marL="1600000" indent="-228600" algn="l" defTabSz="914400" rtl="0" eaLnBrk="1" latinLnBrk="0" hangingPunct="1">
-              <a:lnSpc>
-                <a:spcPct val="90000"/>
-              </a:lnSpc>
-              <a:spcBef>
-                <a:spcPts val="300"/>
-              </a:spcBef>
-              <a:spcAft>
-                <a:spcPts val="300"/>
-              </a:spcAft>
-              <a:buClr>
-                <a:schemeClr val="accent1"/>
-              </a:buClr>
-              <a:buFont typeface="Wingdings 2" pitchFamily="18" charset="2"/>
-              <a:buChar char=""/>
-              <a:defRPr sz="1400" kern="1200">
-                <a:solidFill>
-                  <a:schemeClr val="tx1">
-                    <a:lumMod val="65000"/>
-                    <a:lumOff val="35000"/>
-                  </a:schemeClr>
-                </a:solidFill>
-                <a:latin typeface="+mn-lt"/>
-                <a:ea typeface="+mn-ea"/>
-                <a:cs typeface="+mn-cs"/>
-              </a:defRPr>
-            </a:lvl6pPr>
-            <a:lvl7pPr marL="1900000" indent="-228600" algn="l" defTabSz="914400" rtl="0" eaLnBrk="1" latinLnBrk="0" hangingPunct="1">
-              <a:lnSpc>
-                <a:spcPct val="90000"/>
-              </a:lnSpc>
-              <a:spcBef>
-                <a:spcPts val="300"/>
-              </a:spcBef>
-              <a:spcAft>
-                <a:spcPts val="300"/>
-              </a:spcAft>
-              <a:buClr>
-                <a:schemeClr val="accent1"/>
-              </a:buClr>
-              <a:buFont typeface="Wingdings 2" pitchFamily="18" charset="2"/>
-              <a:buChar char=""/>
-              <a:defRPr sz="1400" kern="1200">
-                <a:solidFill>
-                  <a:schemeClr val="tx1">
-                    <a:lumMod val="65000"/>
-                    <a:lumOff val="35000"/>
-                  </a:schemeClr>
-                </a:solidFill>
-                <a:latin typeface="+mn-lt"/>
-                <a:ea typeface="+mn-ea"/>
-                <a:cs typeface="+mn-cs"/>
-              </a:defRPr>
-            </a:lvl7pPr>
-            <a:lvl8pPr marL="2200000" indent="-228600" algn="l" defTabSz="914400" rtl="0" eaLnBrk="1" latinLnBrk="0" hangingPunct="1">
-              <a:lnSpc>
-                <a:spcPct val="90000"/>
-              </a:lnSpc>
-              <a:spcBef>
-                <a:spcPts val="300"/>
-              </a:spcBef>
-              <a:spcAft>
-                <a:spcPts val="300"/>
-              </a:spcAft>
-              <a:buClr>
-                <a:schemeClr val="accent1"/>
-              </a:buClr>
-              <a:buFont typeface="Wingdings 2" pitchFamily="18" charset="2"/>
-              <a:buChar char=""/>
-              <a:defRPr sz="1400" kern="1200">
-                <a:solidFill>
-                  <a:schemeClr val="tx1">
-                    <a:lumMod val="65000"/>
-                    <a:lumOff val="35000"/>
-                  </a:schemeClr>
-                </a:solidFill>
-                <a:latin typeface="+mn-lt"/>
-                <a:ea typeface="+mn-ea"/>
-                <a:cs typeface="+mn-cs"/>
-              </a:defRPr>
-            </a:lvl8pPr>
-            <a:lvl9pPr marL="2500000" indent="-228600" algn="l" defTabSz="914400" rtl="0" eaLnBrk="1" latinLnBrk="0" hangingPunct="1">
-              <a:lnSpc>
-                <a:spcPct val="90000"/>
-              </a:lnSpc>
-              <a:spcBef>
-                <a:spcPts val="300"/>
-              </a:spcBef>
-              <a:spcAft>
-                <a:spcPts val="300"/>
-              </a:spcAft>
-              <a:buClr>
-                <a:schemeClr val="accent1"/>
-              </a:buClr>
-              <a:buFont typeface="Wingdings 2" pitchFamily="18" charset="2"/>
-              <a:buChar char=""/>
-              <a:defRPr sz="1400" kern="1200">
-                <a:solidFill>
-                  <a:schemeClr val="tx1">
-                    <a:lumMod val="65000"/>
-                    <a:lumOff val="35000"/>
-                  </a:schemeClr>
-                </a:solidFill>
-                <a:latin typeface="+mn-lt"/>
-                <a:ea typeface="+mn-ea"/>
-                <a:cs typeface="+mn-cs"/>
-              </a:defRPr>
-            </a:lvl9pPr>
-          </a:lstStyle>
-          <a:p>
-            <a:pPr marL="0" indent="0">
-              <a:buNone/>
-            </a:pPr>
-            <a:r>
-              <a:rPr lang="hr-HR" sz="2800" dirty="0">
-                <a:solidFill>
-                  <a:srgbClr val="595959"/>
-                </a:solidFill>
-                <a:latin typeface="Arial" panose="020B0604020202020204" pitchFamily="34" charset="0"/>
-                <a:cs typeface="Arial" panose="020B0604020202020204" pitchFamily="34" charset="0"/>
-              </a:rPr>
-              <a:t>Razina slike</a:t>
-            </a:r>
-            <a:endParaRPr lang="hr-HR" sz="2800" dirty="0"/>
-          </a:p>
-        </p:txBody>
-      </p:sp>
-      <p:pic>
-        <p:nvPicPr>
-          <p:cNvPr id="15" name="Picture 14">
-            <a:extLst>
-              <a:ext uri="{FF2B5EF4-FFF2-40B4-BE49-F238E27FC236}">
-                <a16:creationId xmlns:a16="http://schemas.microsoft.com/office/drawing/2014/main" id="{C93E6FE9-A852-9286-5490-7928D32A8FA4}"/>
-              </a:ext>
-            </a:extLst>
-          </p:cNvPr>
-          <p:cNvPicPr>
-            <a:picLocks noChangeAspect="1"/>
-          </p:cNvPicPr>
-          <p:nvPr/>
-        </p:nvPicPr>
-        <p:blipFill rotWithShape="1">
-          <a:blip r:embed="rId4"/>
-          <a:srcRect l="2001" t="3124" r="1682" b="2809"/>
-          <a:stretch/>
-        </p:blipFill>
-        <p:spPr>
-          <a:xfrm>
-            <a:off x="4285448" y="2887922"/>
-            <a:ext cx="3195876" cy="2382960"/>
-          </a:xfrm>
-          <a:prstGeom prst="rect">
-            <a:avLst/>
-          </a:prstGeom>
+              </a14:hiddenFill>
+            </a:ext>
+          </a:extLst>
         </p:spPr>
       </p:pic>
     </p:spTree>
     <p:extLst>
       <p:ext uri="{BB962C8B-B14F-4D97-AF65-F5344CB8AC3E}">
-        <p14:creationId xmlns:p14="http://schemas.microsoft.com/office/powerpoint/2010/main" val="433921692"/>
+        <p14:creationId xmlns:p14="http://schemas.microsoft.com/office/powerpoint/2010/main" val="1676913948"/>
       </p:ext>
     </p:extLst>
   </p:cSld>
@@ -5364,41 +4745,6 @@
       </p:grpSpPr>
       <p:sp>
         <p:nvSpPr>
-          <p:cNvPr id="2" name="Title 1">
-            <a:extLst>
-              <a:ext uri="{FF2B5EF4-FFF2-40B4-BE49-F238E27FC236}">
-                <a16:creationId xmlns:a16="http://schemas.microsoft.com/office/drawing/2014/main" id="{FDE4248D-D2C5-644C-B4C4-1F17D63830C7}"/>
-              </a:ext>
-            </a:extLst>
-          </p:cNvPr>
-          <p:cNvSpPr>
-            <a:spLocks noGrp="1"/>
-          </p:cNvSpPr>
-          <p:nvPr>
-            <p:ph type="title"/>
-          </p:nvPr>
-        </p:nvSpPr>
-        <p:spPr/>
-        <p:txBody>
-          <a:bodyPr/>
-          <a:lstStyle/>
-          <a:p>
-            <a:r>
-              <a:rPr lang="hr-HR" sz="5400" dirty="0">
-                <a:latin typeface="Arial" panose="020B0604020202020204" pitchFamily="34" charset="0"/>
-                <a:cs typeface="Arial" panose="020B0604020202020204" pitchFamily="34" charset="0"/>
-              </a:rPr>
-              <a:t>Rezultati</a:t>
-            </a:r>
-            <a:endParaRPr lang="hr-HR" dirty="0">
-              <a:latin typeface="Arial" panose="020B0604020202020204" pitchFamily="34" charset="0"/>
-              <a:cs typeface="Arial" panose="020B0604020202020204" pitchFamily="34" charset="0"/>
-            </a:endParaRPr>
-          </a:p>
-        </p:txBody>
-      </p:sp>
-      <p:sp>
-        <p:nvSpPr>
           <p:cNvPr id="4" name="Slide Number Placeholder 3">
             <a:extLst>
               <a:ext uri="{FF2B5EF4-FFF2-40B4-BE49-F238E27FC236}">
@@ -5430,10 +4776,10 @@
       </p:sp>
       <p:pic>
         <p:nvPicPr>
-          <p:cNvPr id="8" name="Picture 7">
+          <p:cNvPr id="5" name="Picture 4">
             <a:extLst>
               <a:ext uri="{FF2B5EF4-FFF2-40B4-BE49-F238E27FC236}">
-                <a16:creationId xmlns:a16="http://schemas.microsoft.com/office/drawing/2014/main" id="{5FC5BA43-29E4-7BD5-3A92-D76FE0DA2672}"/>
+                <a16:creationId xmlns:a16="http://schemas.microsoft.com/office/drawing/2014/main" id="{6D7E2C0F-E212-3AC9-F747-9ECB34D9C710}"/>
               </a:ext>
             </a:extLst>
           </p:cNvPr>
@@ -5450,8 +4796,8 @@
         </p:blipFill>
         <p:spPr>
           <a:xfrm>
-            <a:off x="769675" y="2133897"/>
-            <a:ext cx="10184837" cy="4038303"/>
+            <a:off x="2409310" y="156706"/>
+            <a:ext cx="7373379" cy="6544588"/>
           </a:xfrm>
           <a:prstGeom prst="rect">
             <a:avLst/>
@@ -5520,7 +4866,14 @@
                 <a:latin typeface="Arial" panose="020B0604020202020204" pitchFamily="34" charset="0"/>
                 <a:cs typeface="Arial" panose="020B0604020202020204" pitchFamily="34" charset="0"/>
               </a:rPr>
-              <a:t>Primjeri, razina slike</a:t>
+              <a:t>Primjeri, </a:t>
+            </a:r>
+            <a:r>
+              <a:rPr lang="en-US" sz="5400" dirty="0">
+                <a:latin typeface="Arial" panose="020B0604020202020204" pitchFamily="34" charset="0"/>
+                <a:cs typeface="Arial" panose="020B0604020202020204" pitchFamily="34" charset="0"/>
+              </a:rPr>
+              <a:t>IBA</a:t>
             </a:r>
             <a:endParaRPr lang="hr-HR" dirty="0">
               <a:latin typeface="Arial" panose="020B0604020202020204" pitchFamily="34" charset="0"/>
@@ -5562,10 +4915,10 @@
       </p:sp>
       <p:pic>
         <p:nvPicPr>
-          <p:cNvPr id="5" name="Picture 4" descr="A road with a green screen&#10;&#10;Description automatically generated with medium confidence">
+          <p:cNvPr id="6" name="Picture 5">
             <a:extLst>
               <a:ext uri="{FF2B5EF4-FFF2-40B4-BE49-F238E27FC236}">
-                <a16:creationId xmlns:a16="http://schemas.microsoft.com/office/drawing/2014/main" id="{F149D7D0-EC51-AB8A-6B38-288C95270186}"/>
+                <a16:creationId xmlns:a16="http://schemas.microsoft.com/office/drawing/2014/main" id="{6AFCAC3E-1E81-18B4-2C16-D32E38D8ED3B}"/>
               </a:ext>
             </a:extLst>
           </p:cNvPr>
@@ -5574,22 +4927,15 @@
           </p:cNvPicPr>
           <p:nvPr/>
         </p:nvPicPr>
-        <p:blipFill>
-          <a:blip r:embed="rId2">
-            <a:extLst>
-              <a:ext uri="{28A0092B-C50C-407E-A947-70E740481C1C}">
-                <a14:useLocalDpi xmlns:a14="http://schemas.microsoft.com/office/drawing/2010/main" val="0"/>
-              </a:ext>
-            </a:extLst>
-          </a:blip>
-          <a:stretch>
-            <a:fillRect/>
-          </a:stretch>
+        <p:blipFill rotWithShape="1">
+          <a:blip r:embed="rId2"/>
+          <a:srcRect l="333"/>
+          <a:stretch/>
         </p:blipFill>
         <p:spPr>
           <a:xfrm>
-            <a:off x="1394626" y="1809064"/>
-            <a:ext cx="2135793" cy="4805534"/>
+            <a:off x="1948259" y="1809061"/>
+            <a:ext cx="3205758" cy="4805535"/>
           </a:xfrm>
           <a:prstGeom prst="rect">
             <a:avLst/>
@@ -5598,10 +4944,10 @@
       </p:pic>
       <p:pic>
         <p:nvPicPr>
-          <p:cNvPr id="7" name="Picture 6" descr="A green screen with a green screen&#10;&#10;Description automatically generated with medium confidence">
+          <p:cNvPr id="9" name="Picture 8">
             <a:extLst>
               <a:ext uri="{FF2B5EF4-FFF2-40B4-BE49-F238E27FC236}">
-                <a16:creationId xmlns:a16="http://schemas.microsoft.com/office/drawing/2014/main" id="{C3560412-8CF2-24AA-D4F3-C4365FBC5978}"/>
+                <a16:creationId xmlns:a16="http://schemas.microsoft.com/office/drawing/2014/main" id="{34872409-3633-E335-E86D-F5FC16AA972B}"/>
               </a:ext>
             </a:extLst>
           </p:cNvPr>
@@ -5610,58 +4956,15 @@
           </p:cNvPicPr>
           <p:nvPr/>
         </p:nvPicPr>
-        <p:blipFill>
-          <a:blip r:embed="rId3">
-            <a:extLst>
-              <a:ext uri="{28A0092B-C50C-407E-A947-70E740481C1C}">
-                <a14:useLocalDpi xmlns:a14="http://schemas.microsoft.com/office/drawing/2010/main" val="0"/>
-              </a:ext>
-            </a:extLst>
-          </a:blip>
-          <a:stretch>
-            <a:fillRect/>
-          </a:stretch>
+        <p:blipFill rotWithShape="1">
+          <a:blip r:embed="rId3"/>
+          <a:srcRect l="550" t="366" r="668" b="942"/>
+          <a:stretch/>
         </p:blipFill>
         <p:spPr>
           <a:xfrm>
-            <a:off x="4824172" y="1809064"/>
-            <a:ext cx="2135793" cy="4800178"/>
-          </a:xfrm>
-          <a:prstGeom prst="rect">
-            <a:avLst/>
-          </a:prstGeom>
-        </p:spPr>
-      </p:pic>
-      <p:pic>
-        <p:nvPicPr>
-          <p:cNvPr id="10" name="Picture 9" descr="A group of people on an airplane&#10;&#10;Description automatically generated">
-            <a:extLst>
-              <a:ext uri="{FF2B5EF4-FFF2-40B4-BE49-F238E27FC236}">
-                <a16:creationId xmlns:a16="http://schemas.microsoft.com/office/drawing/2014/main" id="{978F3458-B81E-424A-55F7-18B84321E04D}"/>
-              </a:ext>
-            </a:extLst>
-          </p:cNvPr>
-          <p:cNvPicPr>
-            <a:picLocks noChangeAspect="1"/>
-          </p:cNvPicPr>
-          <p:nvPr/>
-        </p:nvPicPr>
-        <p:blipFill>
-          <a:blip r:embed="rId4">
-            <a:extLst>
-              <a:ext uri="{28A0092B-C50C-407E-A947-70E740481C1C}">
-                <a14:useLocalDpi xmlns:a14="http://schemas.microsoft.com/office/drawing/2010/main" val="0"/>
-              </a:ext>
-            </a:extLst>
-          </a:blip>
-          <a:stretch>
-            <a:fillRect/>
-          </a:stretch>
-        </p:blipFill>
-        <p:spPr>
-          <a:xfrm>
-            <a:off x="8253718" y="1809064"/>
-            <a:ext cx="2135793" cy="4805535"/>
+            <a:off x="7037985" y="1809061"/>
+            <a:ext cx="3202588" cy="4805535"/>
           </a:xfrm>
           <a:prstGeom prst="rect">
             <a:avLst/>
@@ -5689,7 +4992,7 @@
         <p:cNvPr id="1" name="">
           <a:extLst>
             <a:ext uri="{FF2B5EF4-FFF2-40B4-BE49-F238E27FC236}">
-              <a16:creationId xmlns:a16="http://schemas.microsoft.com/office/drawing/2014/main" id="{F2F8CD90-B707-A83C-1748-06D4D70EB1D7}"/>
+              <a16:creationId xmlns:a16="http://schemas.microsoft.com/office/drawing/2014/main" id="{4B774C08-DA36-F77A-908F-B8CD60BBE706}"/>
             </a:ext>
           </a:extLst>
         </p:cNvPr>
@@ -5704,78 +5007,12 @@
           <a:chExt cx="0" cy="0"/>
         </a:xfrm>
       </p:grpSpPr>
-      <p:sp>
-        <p:nvSpPr>
-          <p:cNvPr id="2" name="Title 1">
+      <p:pic>
+        <p:nvPicPr>
+          <p:cNvPr id="8" name="Picture 7">
             <a:extLst>
               <a:ext uri="{FF2B5EF4-FFF2-40B4-BE49-F238E27FC236}">
-                <a16:creationId xmlns:a16="http://schemas.microsoft.com/office/drawing/2014/main" id="{222CF50A-6278-6591-8BFC-A00497D113C7}"/>
-              </a:ext>
-            </a:extLst>
-          </p:cNvPr>
-          <p:cNvSpPr>
-            <a:spLocks noGrp="1"/>
-          </p:cNvSpPr>
-          <p:nvPr>
-            <p:ph type="title"/>
-          </p:nvPr>
-        </p:nvSpPr>
-        <p:spPr/>
-        <p:txBody>
-          <a:bodyPr/>
-          <a:lstStyle/>
-          <a:p>
-            <a:r>
-              <a:rPr lang="hr-HR" sz="5400" dirty="0">
-                <a:latin typeface="Arial" panose="020B0604020202020204" pitchFamily="34" charset="0"/>
-                <a:cs typeface="Arial" panose="020B0604020202020204" pitchFamily="34" charset="0"/>
-              </a:rPr>
-              <a:t>Primjeri, razina primjerka</a:t>
-            </a:r>
-            <a:endParaRPr lang="hr-HR" dirty="0">
-              <a:latin typeface="Arial" panose="020B0604020202020204" pitchFamily="34" charset="0"/>
-              <a:cs typeface="Arial" panose="020B0604020202020204" pitchFamily="34" charset="0"/>
-            </a:endParaRPr>
-          </a:p>
-        </p:txBody>
-      </p:sp>
-      <p:sp>
-        <p:nvSpPr>
-          <p:cNvPr id="4" name="Slide Number Placeholder 3">
-            <a:extLst>
-              <a:ext uri="{FF2B5EF4-FFF2-40B4-BE49-F238E27FC236}">
-                <a16:creationId xmlns:a16="http://schemas.microsoft.com/office/drawing/2014/main" id="{298164E3-9DAC-35E4-C3B5-104CD87E415C}"/>
-              </a:ext>
-            </a:extLst>
-          </p:cNvPr>
-          <p:cNvSpPr>
-            <a:spLocks noGrp="1"/>
-          </p:cNvSpPr>
-          <p:nvPr>
-            <p:ph type="sldNum" sz="quarter" idx="12"/>
-          </p:nvPr>
-        </p:nvSpPr>
-        <p:spPr/>
-        <p:txBody>
-          <a:bodyPr>
-            <a:normAutofit lnSpcReduction="10000"/>
-          </a:bodyPr>
-          <a:lstStyle/>
-          <a:p>
-            <a:fld id="{019053DD-E1D2-4EE1-AE49-51105943DBFA}" type="slidenum">
-              <a:rPr lang="hr-HR" smtClean="0"/>
-              <a:t>12</a:t>
-            </a:fld>
-            <a:endParaRPr lang="hr-HR"/>
-          </a:p>
-        </p:txBody>
-      </p:sp>
-      <p:pic>
-        <p:nvPicPr>
-          <p:cNvPr id="6" name="Picture 5" descr="A couple of people walking in a hallway&#10;&#10;Description automatically generated">
-            <a:extLst>
-              <a:ext uri="{FF2B5EF4-FFF2-40B4-BE49-F238E27FC236}">
-                <a16:creationId xmlns:a16="http://schemas.microsoft.com/office/drawing/2014/main" id="{1CDD9F30-EDA5-7BB4-3109-50ABFC4F9021}"/>
+                <a16:creationId xmlns:a16="http://schemas.microsoft.com/office/drawing/2014/main" id="{6AAC12E5-8E70-DF69-65DF-9D25176035D3}"/>
               </a:ext>
             </a:extLst>
           </p:cNvPr>
@@ -5784,22 +5021,15 @@
           </p:cNvPicPr>
           <p:nvPr/>
         </p:nvPicPr>
-        <p:blipFill>
-          <a:blip r:embed="rId2">
-            <a:extLst>
-              <a:ext uri="{28A0092B-C50C-407E-A947-70E740481C1C}">
-                <a14:useLocalDpi xmlns:a14="http://schemas.microsoft.com/office/drawing/2010/main" val="0"/>
-              </a:ext>
-            </a:extLst>
-          </a:blip>
-          <a:stretch>
-            <a:fillRect/>
-          </a:stretch>
+        <p:blipFill rotWithShape="1">
+          <a:blip r:embed="rId2"/>
+          <a:srcRect l="315" r="563" b="490"/>
+          <a:stretch/>
         </p:blipFill>
         <p:spPr>
           <a:xfrm>
-            <a:off x="1396838" y="1803708"/>
-            <a:ext cx="2341878" cy="4805534"/>
+            <a:off x="7037984" y="1809059"/>
+            <a:ext cx="3187430" cy="4805535"/>
           </a:xfrm>
           <a:prstGeom prst="rect">
             <a:avLst/>
@@ -5808,10 +5038,10 @@
       </p:pic>
       <p:pic>
         <p:nvPicPr>
-          <p:cNvPr id="9" name="Picture 8" descr="A screenshot of a video game&#10;&#10;Description automatically generated">
+          <p:cNvPr id="5" name="Picture 4">
             <a:extLst>
               <a:ext uri="{FF2B5EF4-FFF2-40B4-BE49-F238E27FC236}">
-                <a16:creationId xmlns:a16="http://schemas.microsoft.com/office/drawing/2014/main" id="{88CEE0A6-0E45-5FAB-A8D3-60AE61371A95}"/>
+                <a16:creationId xmlns:a16="http://schemas.microsoft.com/office/drawing/2014/main" id="{D965BCF7-A8F6-2DCD-6C5C-E8C77C500B20}"/>
               </a:ext>
             </a:extLst>
           </p:cNvPr>
@@ -5820,68 +5050,98 @@
           </p:cNvPicPr>
           <p:nvPr/>
         </p:nvPicPr>
-        <p:blipFill>
-          <a:blip r:embed="rId3">
-            <a:extLst>
-              <a:ext uri="{28A0092B-C50C-407E-A947-70E740481C1C}">
-                <a14:useLocalDpi xmlns:a14="http://schemas.microsoft.com/office/drawing/2010/main" val="0"/>
-              </a:ext>
-            </a:extLst>
-          </a:blip>
-          <a:stretch>
-            <a:fillRect/>
-          </a:stretch>
+        <p:blipFill rotWithShape="1">
+          <a:blip r:embed="rId3"/>
+          <a:srcRect l="200" t="225" r="413"/>
+          <a:stretch/>
         </p:blipFill>
         <p:spPr>
           <a:xfrm>
-            <a:off x="4676704" y="1803707"/>
-            <a:ext cx="2321514" cy="4805535"/>
+            <a:off x="1966586" y="1809060"/>
+            <a:ext cx="3187430" cy="4805535"/>
           </a:xfrm>
           <a:prstGeom prst="rect">
             <a:avLst/>
           </a:prstGeom>
         </p:spPr>
       </p:pic>
-      <p:pic>
-        <p:nvPicPr>
-          <p:cNvPr id="12" name="Picture 11" descr="A collage of a person in a uniform&#10;&#10;Description automatically generated">
+      <p:sp>
+        <p:nvSpPr>
+          <p:cNvPr id="2" name="Title 1">
             <a:extLst>
               <a:ext uri="{FF2B5EF4-FFF2-40B4-BE49-F238E27FC236}">
-                <a16:creationId xmlns:a16="http://schemas.microsoft.com/office/drawing/2014/main" id="{A0990FD2-D4B3-E40B-A7B7-01C161F3353F}"/>
+                <a16:creationId xmlns:a16="http://schemas.microsoft.com/office/drawing/2014/main" id="{26DEA7C3-3100-E050-8F8B-8AB61682C72A}"/>
               </a:ext>
             </a:extLst>
           </p:cNvPr>
-          <p:cNvPicPr>
-            <a:picLocks noChangeAspect="1"/>
-          </p:cNvPicPr>
-          <p:nvPr/>
-        </p:nvPicPr>
-        <p:blipFill>
-          <a:blip r:embed="rId4">
+          <p:cNvSpPr>
+            <a:spLocks noGrp="1"/>
+          </p:cNvSpPr>
+          <p:nvPr>
+            <p:ph type="title"/>
+          </p:nvPr>
+        </p:nvSpPr>
+        <p:spPr/>
+        <p:txBody>
+          <a:bodyPr/>
+          <a:lstStyle/>
+          <a:p>
+            <a:r>
+              <a:rPr lang="hr-HR" sz="5400" dirty="0">
+                <a:latin typeface="Arial" panose="020B0604020202020204" pitchFamily="34" charset="0"/>
+                <a:cs typeface="Arial" panose="020B0604020202020204" pitchFamily="34" charset="0"/>
+              </a:rPr>
+              <a:t>Primjeri, </a:t>
+            </a:r>
+            <a:r>
+              <a:rPr lang="en-US" sz="5400" dirty="0">
+                <a:latin typeface="Arial" panose="020B0604020202020204" pitchFamily="34" charset="0"/>
+                <a:cs typeface="Arial" panose="020B0604020202020204" pitchFamily="34" charset="0"/>
+              </a:rPr>
+              <a:t>NNI</a:t>
+            </a:r>
+            <a:endParaRPr lang="hr-HR" dirty="0">
+              <a:latin typeface="Arial" panose="020B0604020202020204" pitchFamily="34" charset="0"/>
+              <a:cs typeface="Arial" panose="020B0604020202020204" pitchFamily="34" charset="0"/>
+            </a:endParaRPr>
+          </a:p>
+        </p:txBody>
+      </p:sp>
+      <p:sp>
+        <p:nvSpPr>
+          <p:cNvPr id="4" name="Slide Number Placeholder 3">
             <a:extLst>
-              <a:ext uri="{28A0092B-C50C-407E-A947-70E740481C1C}">
-                <a14:useLocalDpi xmlns:a14="http://schemas.microsoft.com/office/drawing/2010/main" val="0"/>
+              <a:ext uri="{FF2B5EF4-FFF2-40B4-BE49-F238E27FC236}">
+                <a16:creationId xmlns:a16="http://schemas.microsoft.com/office/drawing/2014/main" id="{B4984932-735D-C321-5A59-06CD1014FA8A}"/>
               </a:ext>
             </a:extLst>
-          </a:blip>
-          <a:stretch>
-            <a:fillRect/>
-          </a:stretch>
-        </p:blipFill>
-        <p:spPr>
-          <a:xfrm>
-            <a:off x="7936207" y="1803707"/>
-            <a:ext cx="2392756" cy="4805535"/>
-          </a:xfrm>
-          <a:prstGeom prst="rect">
-            <a:avLst/>
-          </a:prstGeom>
-        </p:spPr>
-      </p:pic>
+          </p:cNvPr>
+          <p:cNvSpPr>
+            <a:spLocks noGrp="1"/>
+          </p:cNvSpPr>
+          <p:nvPr>
+            <p:ph type="sldNum" sz="quarter" idx="12"/>
+          </p:nvPr>
+        </p:nvSpPr>
+        <p:spPr/>
+        <p:txBody>
+          <a:bodyPr>
+            <a:normAutofit lnSpcReduction="10000"/>
+          </a:bodyPr>
+          <a:lstStyle/>
+          <a:p>
+            <a:fld id="{019053DD-E1D2-4EE1-AE49-51105943DBFA}" type="slidenum">
+              <a:rPr lang="hr-HR" smtClean="0"/>
+              <a:t>12</a:t>
+            </a:fld>
+            <a:endParaRPr lang="hr-HR"/>
+          </a:p>
+        </p:txBody>
+      </p:sp>
     </p:spTree>
     <p:extLst>
       <p:ext uri="{BB962C8B-B14F-4D97-AF65-F5344CB8AC3E}">
-        <p14:creationId xmlns:p14="http://schemas.microsoft.com/office/powerpoint/2010/main" val="1943260644"/>
+        <p14:creationId xmlns:p14="http://schemas.microsoft.com/office/powerpoint/2010/main" val="4226903914"/>
       </p:ext>
     </p:extLst>
   </p:cSld>
@@ -5978,16 +5238,23 @@
                 <a:latin typeface="Arial" panose="020B0604020202020204" pitchFamily="34" charset="0"/>
                 <a:cs typeface="Arial" panose="020B0604020202020204" pitchFamily="34" charset="0"/>
               </a:rPr>
-              <a:t>posebno opasan napad na razini primjerka sa semantičkim okidačem</a:t>
-            </a:r>
-          </a:p>
-          <a:p>
+              <a:t>najuspješniji napad: NNI</a:t>
+            </a:r>
+          </a:p>
+          <a:p>
+            <a:r>
+              <a:rPr lang="hr-HR" sz="2800">
+                <a:latin typeface="Arial" panose="020B0604020202020204" pitchFamily="34" charset="0"/>
+                <a:cs typeface="Arial" panose="020B0604020202020204" pitchFamily="34" charset="0"/>
+              </a:rPr>
+              <a:t>mogući smjerovi </a:t>
+            </a:r>
             <a:r>
               <a:rPr lang="hr-HR" sz="2800" dirty="0">
                 <a:latin typeface="Arial" panose="020B0604020202020204" pitchFamily="34" charset="0"/>
                 <a:cs typeface="Arial" panose="020B0604020202020204" pitchFamily="34" charset="0"/>
               </a:rPr>
-              <a:t>mogući smjer budućeg rada: </a:t>
+              <a:t>budućeg rada: </a:t>
             </a:r>
           </a:p>
           <a:p>
@@ -5997,7 +5264,7 @@
                 <a:latin typeface="Arial" panose="020B0604020202020204" pitchFamily="34" charset="0"/>
                 <a:cs typeface="Arial" panose="020B0604020202020204" pitchFamily="34" charset="0"/>
               </a:rPr>
-              <a:t>implementacija dodatnih okidača</a:t>
+              <a:t>provođenje eksperimenata na drugim arhitekturama – npr. Multi-Scale SwiftNet</a:t>
             </a:r>
           </a:p>
           <a:p>
@@ -6007,7 +5274,7 @@
                 <a:latin typeface="Arial" panose="020B0604020202020204" pitchFamily="34" charset="0"/>
                 <a:cs typeface="Arial" panose="020B0604020202020204" pitchFamily="34" charset="0"/>
               </a:rPr>
-              <a:t>analiza kapaciteta arhitekture Single-Scale SwiftNet</a:t>
+              <a:t>proučavanje mogućih načina obrane modela za semantičku segmentaciju</a:t>
             </a:r>
           </a:p>
         </p:txBody>
@@ -6214,7 +5481,7 @@
                 <a:latin typeface="Arial" panose="020B0604020202020204" pitchFamily="34" charset="0"/>
                 <a:cs typeface="Arial" panose="020B0604020202020204" pitchFamily="34" charset="0"/>
               </a:rPr>
-              <a:t>Slajd 6, primjer podataka iz skupa ADE20k: preuzeto iz </a:t>
+              <a:t>Slajd 8, primjer podataka iz skupa Cityscapes: preuzeto iz </a:t>
             </a:r>
             <a:r>
               <a:rPr lang="en-US" sz="2200" b="0" i="0" dirty="0">
@@ -6226,7 +5493,7 @@
                 <a:effectLst/>
                 <a:latin typeface="Arial" panose="020B0604020202020204" pitchFamily="34" charset="0"/>
               </a:rPr>
-              <a:t>Zhou, </a:t>
+              <a:t>Chen, </a:t>
             </a:r>
             <a:r>
               <a:rPr lang="en-US" sz="2200" b="0" i="0" dirty="0" err="1">
@@ -6238,7 +5505,7 @@
                 <a:effectLst/>
                 <a:latin typeface="Arial" panose="020B0604020202020204" pitchFamily="34" charset="0"/>
               </a:rPr>
-              <a:t>Bolei</a:t>
+              <a:t>Xinyun</a:t>
             </a:r>
             <a:r>
               <a:rPr lang="en-US" sz="2200" b="0" i="0" dirty="0">
@@ -6250,40 +5517,16 @@
                 <a:effectLst/>
                 <a:latin typeface="Arial" panose="020B0604020202020204" pitchFamily="34" charset="0"/>
               </a:rPr>
-              <a:t>, et al. "Semantic understanding of scenes through the ade20k dataset." </a:t>
-            </a:r>
-            <a:r>
-              <a:rPr lang="en-US" sz="2200" b="0" i="1" dirty="0">
-                <a:solidFill>
-                  <a:schemeClr val="bg2">
-                    <a:lumMod val="50000"/>
-                  </a:schemeClr>
-                </a:solidFill>
-                <a:effectLst/>
-                <a:latin typeface="Arial" panose="020B0604020202020204" pitchFamily="34" charset="0"/>
-              </a:rPr>
-              <a:t>International Journal of Computer Vision</a:t>
-            </a:r>
-            <a:r>
-              <a:rPr lang="en-US" sz="2200" b="0" i="0" dirty="0">
-                <a:solidFill>
-                  <a:schemeClr val="bg2">
-                    <a:lumMod val="50000"/>
-                  </a:schemeClr>
-                </a:solidFill>
-                <a:effectLst/>
-                <a:latin typeface="Arial" panose="020B0604020202020204" pitchFamily="34" charset="0"/>
-              </a:rPr>
-              <a:t> 127 (2019): 302-321.</a:t>
-            </a:r>
-            <a:endParaRPr lang="hr-HR" sz="2200" dirty="0">
+              <a:t>, et al. "Targeted backdoor attacks on deep learning systems using data poisoning.„</a:t>
+            </a:r>
+            <a:endParaRPr lang="hr-HR" sz="2200" b="0" i="0" dirty="0">
               <a:solidFill>
                 <a:schemeClr val="bg2">
                   <a:lumMod val="50000"/>
                 </a:schemeClr>
               </a:solidFill>
+              <a:effectLst/>
               <a:latin typeface="Arial" panose="020B0604020202020204" pitchFamily="34" charset="0"/>
-              <a:cs typeface="Arial" panose="020B0604020202020204" pitchFamily="34" charset="0"/>
             </a:endParaRPr>
           </a:p>
           <a:p>
@@ -6292,7 +5535,7 @@
                 <a:latin typeface="Arial" panose="020B0604020202020204" pitchFamily="34" charset="0"/>
                 <a:cs typeface="Arial" panose="020B0604020202020204" pitchFamily="34" charset="0"/>
               </a:rPr>
-              <a:t>Slajd 7, arhitektura Single-Scale SwiftNet: preuzeto iz </a:t>
+              <a:t>Slajd 9, arhitektura Single-Scale SwiftNet: preuzeto iz </a:t>
             </a:r>
             <a:r>
               <a:rPr lang="hr-HR" sz="2400" b="0" i="0" dirty="0">
@@ -6572,6 +5815,20 @@
                 <a:cs typeface="Arial" panose="020B0604020202020204" pitchFamily="34" charset="0"/>
               </a:rPr>
               <a:t>Zatrovani podatci</a:t>
+            </a:r>
+          </a:p>
+          <a:p>
+            <a:pPr marL="514350" indent="-514350">
+              <a:buSzPct val="100000"/>
+              <a:buFont typeface="+mj-lt"/>
+              <a:buAutoNum type="arabicPeriod"/>
+            </a:pPr>
+            <a:r>
+              <a:rPr lang="hr-HR" sz="2800" dirty="0">
+                <a:latin typeface="Arial" panose="020B0604020202020204" pitchFamily="34" charset="0"/>
+                <a:cs typeface="Arial" panose="020B0604020202020204" pitchFamily="34" charset="0"/>
+              </a:rPr>
+              <a:t>Napad utemeljen na utjecaju</a:t>
             </a:r>
           </a:p>
           <a:p>
@@ -7235,7 +6492,13 @@
   <p:cSld>
     <p:spTree>
       <p:nvGrpSpPr>
-        <p:cNvPr id="1" name=""/>
+        <p:cNvPr id="1" name="">
+          <a:extLst>
+            <a:ext uri="{FF2B5EF4-FFF2-40B4-BE49-F238E27FC236}">
+              <a16:creationId xmlns:a16="http://schemas.microsoft.com/office/drawing/2014/main" id="{6CAF8DF1-AF3E-D58B-A333-86D5788F73A2}"/>
+            </a:ext>
+          </a:extLst>
+        </p:cNvPr>
         <p:cNvGrpSpPr/>
         <p:nvPr/>
       </p:nvGrpSpPr>
@@ -7252,7 +6515,7 @@
           <p:cNvPr id="2" name="Title 1">
             <a:extLst>
               <a:ext uri="{FF2B5EF4-FFF2-40B4-BE49-F238E27FC236}">
-                <a16:creationId xmlns:a16="http://schemas.microsoft.com/office/drawing/2014/main" id="{015F66F4-4AF2-9F1E-BE4D-F6222070025E}"/>
+                <a16:creationId xmlns:a16="http://schemas.microsoft.com/office/drawing/2014/main" id="{8DEE0673-4426-DD46-4371-D30508EBEF4C}"/>
               </a:ext>
             </a:extLst>
           </p:cNvPr>
@@ -7260,7 +6523,7 @@
             <a:spLocks noGrp="1"/>
           </p:cNvSpPr>
           <p:nvPr>
-            <p:ph type="ctrTitle"/>
+            <p:ph type="title"/>
           </p:nvPr>
         </p:nvSpPr>
         <p:spPr/>
@@ -7269,72 +6532,11 @@
           <a:lstStyle/>
           <a:p>
             <a:r>
-              <a:rPr lang="hr-HR" dirty="0">
+              <a:rPr lang="hr-HR" sz="5400" dirty="0">
                 <a:latin typeface="Arial" panose="020B0604020202020204" pitchFamily="34" charset="0"/>
                 <a:cs typeface="Arial" panose="020B0604020202020204" pitchFamily="34" charset="0"/>
               </a:rPr>
-              <a:t>Eksperimenti</a:t>
-            </a:r>
-          </a:p>
-        </p:txBody>
-      </p:sp>
-    </p:spTree>
-    <p:extLst>
-      <p:ext uri="{BB962C8B-B14F-4D97-AF65-F5344CB8AC3E}">
-        <p14:creationId xmlns:p14="http://schemas.microsoft.com/office/powerpoint/2010/main" val="1281736990"/>
-      </p:ext>
-    </p:extLst>
-  </p:cSld>
-  <p:clrMapOvr>
-    <a:masterClrMapping/>
-  </p:clrMapOvr>
-</p:sld>
-</file>
-
-<file path=ppt/slides/slide7.xml><?xml version="1.0" encoding="utf-8"?>
-<p:sld xmlns:a="http://schemas.openxmlformats.org/drawingml/2006/main" xmlns:r="http://schemas.openxmlformats.org/officeDocument/2006/relationships" xmlns:p="http://schemas.openxmlformats.org/presentationml/2006/main">
-  <p:cSld>
-    <p:spTree>
-      <p:nvGrpSpPr>
-        <p:cNvPr id="1" name=""/>
-        <p:cNvGrpSpPr/>
-        <p:nvPr/>
-      </p:nvGrpSpPr>
-      <p:grpSpPr>
-        <a:xfrm>
-          <a:off x="0" y="0"/>
-          <a:ext cx="0" cy="0"/>
-          <a:chOff x="0" y="0"/>
-          <a:chExt cx="0" cy="0"/>
-        </a:xfrm>
-      </p:grpSpPr>
-      <p:sp>
-        <p:nvSpPr>
-          <p:cNvPr id="2" name="Title 1">
-            <a:extLst>
-              <a:ext uri="{FF2B5EF4-FFF2-40B4-BE49-F238E27FC236}">
-                <a16:creationId xmlns:a16="http://schemas.microsoft.com/office/drawing/2014/main" id="{794FE518-BF5D-2ABC-255D-9818FC837A39}"/>
-              </a:ext>
-            </a:extLst>
-          </p:cNvPr>
-          <p:cNvSpPr>
-            <a:spLocks noGrp="1"/>
-          </p:cNvSpPr>
-          <p:nvPr>
-            <p:ph type="title"/>
-          </p:nvPr>
-        </p:nvSpPr>
-        <p:spPr/>
-        <p:txBody>
-          <a:bodyPr/>
-          <a:lstStyle/>
-          <a:p>
-            <a:r>
-              <a:rPr lang="hr-HR" sz="5400" dirty="0">
-                <a:latin typeface="Arial" panose="020B0604020202020204" pitchFamily="34" charset="0"/>
-                <a:cs typeface="Arial" panose="020B0604020202020204" pitchFamily="34" charset="0"/>
-              </a:rPr>
-              <a:t>Skup podataka</a:t>
+              <a:t>Napad utemeljen na utjecaju</a:t>
             </a:r>
             <a:endParaRPr lang="hr-HR" dirty="0">
               <a:latin typeface="Arial" panose="020B0604020202020204" pitchFamily="34" charset="0"/>
@@ -7345,10 +6547,10 @@
       </p:sp>
       <p:sp>
         <p:nvSpPr>
-          <p:cNvPr id="3" name="Content Placeholder 2">
+          <p:cNvPr id="4" name="Slide Number Placeholder 3">
             <a:extLst>
               <a:ext uri="{FF2B5EF4-FFF2-40B4-BE49-F238E27FC236}">
-                <a16:creationId xmlns:a16="http://schemas.microsoft.com/office/drawing/2014/main" id="{C52C608F-A7F0-C9DD-FE0A-7411086D0F8C}"/>
+                <a16:creationId xmlns:a16="http://schemas.microsoft.com/office/drawing/2014/main" id="{06E9E321-8B7C-DE4C-702F-751617967B85}"/>
               </a:ext>
             </a:extLst>
           </p:cNvPr>
@@ -7356,15 +6558,41 @@
             <a:spLocks noGrp="1"/>
           </p:cNvSpPr>
           <p:nvPr>
+            <p:ph type="sldNum" sz="quarter" idx="12"/>
+          </p:nvPr>
+        </p:nvSpPr>
+        <p:spPr/>
+        <p:txBody>
+          <a:bodyPr>
+            <a:normAutofit lnSpcReduction="10000"/>
+          </a:bodyPr>
+          <a:lstStyle/>
+          <a:p>
+            <a:fld id="{019053DD-E1D2-4EE1-AE49-51105943DBFA}" type="slidenum">
+              <a:rPr lang="hr-HR" smtClean="0"/>
+              <a:t>5</a:t>
+            </a:fld>
+            <a:endParaRPr lang="hr-HR"/>
+          </a:p>
+        </p:txBody>
+      </p:sp>
+      <p:sp>
+        <p:nvSpPr>
+          <p:cNvPr id="8" name="Content Placeholder 7">
+            <a:extLst>
+              <a:ext uri="{FF2B5EF4-FFF2-40B4-BE49-F238E27FC236}">
+                <a16:creationId xmlns:a16="http://schemas.microsoft.com/office/drawing/2014/main" id="{503460F6-EDCB-6A50-E5EC-EEF02DF72B9A}"/>
+              </a:ext>
+            </a:extLst>
+          </p:cNvPr>
+          <p:cNvSpPr>
+            <a:spLocks noGrp="1"/>
+          </p:cNvSpPr>
+          <p:nvPr>
             <p:ph idx="1"/>
           </p:nvPr>
         </p:nvSpPr>
-        <p:spPr>
-          <a:xfrm>
-            <a:off x="1261872" y="1828801"/>
-            <a:ext cx="7678198" cy="1980104"/>
-          </a:xfrm>
-        </p:spPr>
+        <p:spPr/>
         <p:txBody>
           <a:bodyPr>
             <a:normAutofit/>
@@ -7372,103 +6600,71 @@
           <a:lstStyle/>
           <a:p>
             <a:r>
+              <a:rPr lang="hr-HR" sz="2800" dirty="0">
+                <a:latin typeface="Arial" panose="020B0604020202020204" pitchFamily="34" charset="0"/>
+                <a:cs typeface="Arial" panose="020B0604020202020204" pitchFamily="34" charset="0"/>
+              </a:rPr>
+              <a:t>dodavanje </a:t>
+            </a:r>
+            <a:r>
               <a:rPr lang="hr-HR" sz="2800" b="1" dirty="0">
                 <a:latin typeface="Arial" panose="020B0604020202020204" pitchFamily="34" charset="0"/>
                 <a:cs typeface="Arial" panose="020B0604020202020204" pitchFamily="34" charset="0"/>
               </a:rPr>
-              <a:t>ADE20k</a:t>
+              <a:t>okidača</a:t>
+            </a:r>
+            <a:r>
+              <a:rPr lang="hr-HR" sz="2800" dirty="0">
+                <a:latin typeface="Arial" panose="020B0604020202020204" pitchFamily="34" charset="0"/>
+                <a:cs typeface="Arial" panose="020B0604020202020204" pitchFamily="34" charset="0"/>
+              </a:rPr>
+              <a:t> na ulaznu sliku i izmjena oznaka piksela </a:t>
+            </a:r>
+            <a:r>
+              <a:rPr lang="hr-HR" sz="2800" b="1" dirty="0">
+                <a:latin typeface="Arial" panose="020B0604020202020204" pitchFamily="34" charset="0"/>
+                <a:cs typeface="Arial" panose="020B0604020202020204" pitchFamily="34" charset="0"/>
+              </a:rPr>
+              <a:t>razreda žrtve</a:t>
+            </a:r>
+          </a:p>
+          <a:p>
+            <a:r>
+              <a:rPr lang="hr-HR" sz="2800" dirty="0">
+                <a:latin typeface="Arial" panose="020B0604020202020204" pitchFamily="34" charset="0"/>
+                <a:cs typeface="Arial" panose="020B0604020202020204" pitchFamily="34" charset="0"/>
+              </a:rPr>
+              <a:t>uvjeti:</a:t>
             </a:r>
           </a:p>
           <a:p>
             <a:pPr lvl="1"/>
             <a:r>
-              <a:rPr lang="en-US" sz="2800" dirty="0">
+              <a:rPr lang="hr-HR" sz="2800" dirty="0">
                 <a:latin typeface="Arial" panose="020B0604020202020204" pitchFamily="34" charset="0"/>
                 <a:cs typeface="Arial" panose="020B0604020202020204" pitchFamily="34" charset="0"/>
               </a:rPr>
-              <a:t>20 </a:t>
-            </a:r>
+              <a:t>okidač ne smije prekrivati piksele razreda žrtve</a:t>
+            </a:r>
+          </a:p>
+          <a:p>
+            <a:pPr lvl="1"/>
             <a:r>
               <a:rPr lang="hr-HR" sz="2800" dirty="0">
                 <a:latin typeface="Arial" panose="020B0604020202020204" pitchFamily="34" charset="0"/>
                 <a:cs typeface="Arial" panose="020B0604020202020204" pitchFamily="34" charset="0"/>
               </a:rPr>
-              <a:t>21</a:t>
-            </a:r>
-            <a:r>
-              <a:rPr lang="en-US" sz="2800" dirty="0">
-                <a:latin typeface="Arial" panose="020B0604020202020204" pitchFamily="34" charset="0"/>
-                <a:cs typeface="Arial" panose="020B0604020202020204" pitchFamily="34" charset="0"/>
-              </a:rPr>
-              <a:t>0 </a:t>
-            </a:r>
-            <a:r>
-              <a:rPr lang="hr-HR" sz="2800" dirty="0">
-                <a:latin typeface="Arial" panose="020B0604020202020204" pitchFamily="34" charset="0"/>
-                <a:cs typeface="Arial" panose="020B0604020202020204" pitchFamily="34" charset="0"/>
-              </a:rPr>
-              <a:t>slika u skupu za učenje</a:t>
-            </a:r>
-          </a:p>
-          <a:p>
-            <a:pPr lvl="1"/>
-            <a:r>
-              <a:rPr lang="hr-HR" sz="2800" dirty="0">
-                <a:latin typeface="Arial" panose="020B0604020202020204" pitchFamily="34" charset="0"/>
-                <a:cs typeface="Arial" panose="020B0604020202020204" pitchFamily="34" charset="0"/>
-              </a:rPr>
-              <a:t>2 000 slika u skupu za validaciju</a:t>
-            </a:r>
-          </a:p>
-          <a:p>
-            <a:pPr lvl="1"/>
-            <a:r>
-              <a:rPr lang="hr-HR" sz="2800" dirty="0">
-                <a:latin typeface="Arial" panose="020B0604020202020204" pitchFamily="34" charset="0"/>
-                <a:cs typeface="Arial" panose="020B0604020202020204" pitchFamily="34" charset="0"/>
-              </a:rPr>
-              <a:t>3 000 slika u skupu za ispitivanje</a:t>
-            </a:r>
-          </a:p>
-        </p:txBody>
-      </p:sp>
-      <p:sp>
-        <p:nvSpPr>
-          <p:cNvPr id="4" name="Slide Number Placeholder 3">
+              <a:t>okidač se u potpunosti mora nalaziti na pikselima koji pripadaju jednom razredu</a:t>
+            </a:r>
+          </a:p>
+        </p:txBody>
+      </p:sp>
+      <p:pic>
+        <p:nvPicPr>
+          <p:cNvPr id="1026" name="Picture 2" descr="Hello Kitty vs Coraline | DReager1.com">
             <a:extLst>
               <a:ext uri="{FF2B5EF4-FFF2-40B4-BE49-F238E27FC236}">
-                <a16:creationId xmlns:a16="http://schemas.microsoft.com/office/drawing/2014/main" id="{837C1893-2DB1-FC1C-507B-1DD228B519F2}"/>
-              </a:ext>
-            </a:extLst>
-          </p:cNvPr>
-          <p:cNvSpPr>
-            <a:spLocks noGrp="1"/>
-          </p:cNvSpPr>
-          <p:nvPr>
-            <p:ph type="sldNum" sz="quarter" idx="12"/>
-          </p:nvPr>
-        </p:nvSpPr>
-        <p:spPr/>
-        <p:txBody>
-          <a:bodyPr>
-            <a:normAutofit lnSpcReduction="10000"/>
-          </a:bodyPr>
-          <a:lstStyle/>
-          <a:p>
-            <a:fld id="{019053DD-E1D2-4EE1-AE49-51105943DBFA}" type="slidenum">
-              <a:rPr lang="hr-HR" smtClean="0"/>
-              <a:t>6</a:t>
-            </a:fld>
-            <a:endParaRPr lang="hr-HR"/>
-          </a:p>
-        </p:txBody>
-      </p:sp>
-      <p:pic>
-        <p:nvPicPr>
-          <p:cNvPr id="3074" name="Picture 2">
-            <a:extLst>
-              <a:ext uri="{FF2B5EF4-FFF2-40B4-BE49-F238E27FC236}">
-                <a16:creationId xmlns:a16="http://schemas.microsoft.com/office/drawing/2014/main" id="{EACFFC88-13E4-3E1D-46A9-D7A28DE1EE8B}"/>
+                <a16:creationId xmlns:a16="http://schemas.microsoft.com/office/drawing/2014/main" id="{701A9DF9-32A6-E830-DD58-64483AACA38B}"/>
               </a:ext>
             </a:extLst>
           </p:cNvPr>
@@ -7492,8 +6688,8 @@
         </p:blipFill>
         <p:spPr bwMode="auto">
           <a:xfrm>
-            <a:off x="2987483" y="3808905"/>
-            <a:ext cx="6011793" cy="2957020"/>
+            <a:off x="5417258" y="5126145"/>
+            <a:ext cx="1357484" cy="1357484"/>
           </a:xfrm>
           <a:prstGeom prst="rect">
             <a:avLst/>
@@ -7513,7 +6709,7 @@
     </p:spTree>
     <p:extLst>
       <p:ext uri="{BB962C8B-B14F-4D97-AF65-F5344CB8AC3E}">
-        <p14:creationId xmlns:p14="http://schemas.microsoft.com/office/powerpoint/2010/main" val="3596415932"/>
+        <p14:creationId xmlns:p14="http://schemas.microsoft.com/office/powerpoint/2010/main" val="3650257408"/>
       </p:ext>
     </p:extLst>
   </p:cSld>
@@ -7523,219 +6719,7 @@
 </p:sld>
 </file>
 
-<file path=ppt/slides/slide8.xml><?xml version="1.0" encoding="utf-8"?>
-<p:sld xmlns:a="http://schemas.openxmlformats.org/drawingml/2006/main" xmlns:r="http://schemas.openxmlformats.org/officeDocument/2006/relationships" xmlns:p="http://schemas.openxmlformats.org/presentationml/2006/main">
-  <p:cSld>
-    <p:spTree>
-      <p:nvGrpSpPr>
-        <p:cNvPr id="1" name="">
-          <a:extLst>
-            <a:ext uri="{FF2B5EF4-FFF2-40B4-BE49-F238E27FC236}">
-              <a16:creationId xmlns:a16="http://schemas.microsoft.com/office/drawing/2014/main" id="{FE0DBD1C-68E7-5E75-09C5-EA54D7A7BEEB}"/>
-            </a:ext>
-          </a:extLst>
-        </p:cNvPr>
-        <p:cNvGrpSpPr/>
-        <p:nvPr/>
-      </p:nvGrpSpPr>
-      <p:grpSpPr>
-        <a:xfrm>
-          <a:off x="0" y="0"/>
-          <a:ext cx="0" cy="0"/>
-          <a:chOff x="0" y="0"/>
-          <a:chExt cx="0" cy="0"/>
-        </a:xfrm>
-      </p:grpSpPr>
-      <p:sp>
-        <p:nvSpPr>
-          <p:cNvPr id="2" name="Title 1">
-            <a:extLst>
-              <a:ext uri="{FF2B5EF4-FFF2-40B4-BE49-F238E27FC236}">
-                <a16:creationId xmlns:a16="http://schemas.microsoft.com/office/drawing/2014/main" id="{D215C781-CEB8-714A-5AA0-FFD600263194}"/>
-              </a:ext>
-            </a:extLst>
-          </p:cNvPr>
-          <p:cNvSpPr>
-            <a:spLocks noGrp="1"/>
-          </p:cNvSpPr>
-          <p:nvPr>
-            <p:ph type="title"/>
-          </p:nvPr>
-        </p:nvSpPr>
-        <p:spPr/>
-        <p:txBody>
-          <a:bodyPr/>
-          <a:lstStyle/>
-          <a:p>
-            <a:r>
-              <a:rPr lang="hr-HR" sz="5400" dirty="0">
-                <a:latin typeface="Arial" panose="020B0604020202020204" pitchFamily="34" charset="0"/>
-                <a:cs typeface="Arial" panose="020B0604020202020204" pitchFamily="34" charset="0"/>
-              </a:rPr>
-              <a:t>Arhitektura</a:t>
-            </a:r>
-            <a:endParaRPr lang="hr-HR" dirty="0">
-              <a:latin typeface="Arial" panose="020B0604020202020204" pitchFamily="34" charset="0"/>
-              <a:cs typeface="Arial" panose="020B0604020202020204" pitchFamily="34" charset="0"/>
-            </a:endParaRPr>
-          </a:p>
-        </p:txBody>
-      </p:sp>
-      <p:sp>
-        <p:nvSpPr>
-          <p:cNvPr id="3" name="Content Placeholder 2">
-            <a:extLst>
-              <a:ext uri="{FF2B5EF4-FFF2-40B4-BE49-F238E27FC236}">
-                <a16:creationId xmlns:a16="http://schemas.microsoft.com/office/drawing/2014/main" id="{5BE35DB9-C387-A812-3D29-C964A0A77276}"/>
-              </a:ext>
-            </a:extLst>
-          </p:cNvPr>
-          <p:cNvSpPr>
-            <a:spLocks noGrp="1"/>
-          </p:cNvSpPr>
-          <p:nvPr>
-            <p:ph idx="1"/>
-          </p:nvPr>
-        </p:nvSpPr>
-        <p:spPr>
-          <a:xfrm>
-            <a:off x="1261872" y="1828801"/>
-            <a:ext cx="7678198" cy="618370"/>
-          </a:xfrm>
-        </p:spPr>
-        <p:txBody>
-          <a:bodyPr>
-            <a:normAutofit/>
-          </a:bodyPr>
-          <a:lstStyle/>
-          <a:p>
-            <a:pPr marL="182880" indent="-182880" algn="l" rtl="0" eaLnBrk="1" latinLnBrk="0" hangingPunct="1">
-              <a:lnSpc>
-                <a:spcPct val="95000"/>
-              </a:lnSpc>
-              <a:spcBef>
-                <a:spcPts val="1400"/>
-              </a:spcBef>
-              <a:spcAft>
-                <a:spcPts val="200"/>
-              </a:spcAft>
-              <a:buClr>
-                <a:schemeClr val="accent1"/>
-              </a:buClr>
-              <a:buSzPct val="80000"/>
-              <a:buFont typeface="Arial" panose="020B0604020202020204" pitchFamily="34" charset="0"/>
-              <a:buChar char="•"/>
-            </a:pPr>
-            <a:r>
-              <a:rPr lang="hr-HR" sz="2800" b="1" kern="1200" spc="10" baseline="0" dirty="0">
-                <a:solidFill>
-                  <a:srgbClr val="595959"/>
-                </a:solidFill>
-                <a:effectLst/>
-                <a:latin typeface="Arial" panose="020B0604020202020204" pitchFamily="34" charset="0"/>
-                <a:ea typeface="+mn-ea"/>
-                <a:cs typeface="Arial" panose="020B0604020202020204" pitchFamily="34" charset="0"/>
-              </a:rPr>
-              <a:t>Single-Scale SwiftNet</a:t>
-            </a:r>
-            <a:endParaRPr lang="hr-HR" sz="2800" b="1" dirty="0">
-              <a:effectLst/>
-            </a:endParaRPr>
-          </a:p>
-        </p:txBody>
-      </p:sp>
-      <p:sp>
-        <p:nvSpPr>
-          <p:cNvPr id="4" name="Slide Number Placeholder 3">
-            <a:extLst>
-              <a:ext uri="{FF2B5EF4-FFF2-40B4-BE49-F238E27FC236}">
-                <a16:creationId xmlns:a16="http://schemas.microsoft.com/office/drawing/2014/main" id="{A3834E6B-D63B-BC3F-DB36-64ECEFA8F645}"/>
-              </a:ext>
-            </a:extLst>
-          </p:cNvPr>
-          <p:cNvSpPr>
-            <a:spLocks noGrp="1"/>
-          </p:cNvSpPr>
-          <p:nvPr>
-            <p:ph type="sldNum" sz="quarter" idx="12"/>
-          </p:nvPr>
-        </p:nvSpPr>
-        <p:spPr/>
-        <p:txBody>
-          <a:bodyPr>
-            <a:normAutofit lnSpcReduction="10000"/>
-          </a:bodyPr>
-          <a:lstStyle/>
-          <a:p>
-            <a:fld id="{019053DD-E1D2-4EE1-AE49-51105943DBFA}" type="slidenum">
-              <a:rPr lang="hr-HR" smtClean="0"/>
-              <a:t>7</a:t>
-            </a:fld>
-            <a:endParaRPr lang="hr-HR"/>
-          </a:p>
-        </p:txBody>
-      </p:sp>
-      <p:pic>
-        <p:nvPicPr>
-          <p:cNvPr id="5122" name="Picture 2">
-            <a:extLst>
-              <a:ext uri="{FF2B5EF4-FFF2-40B4-BE49-F238E27FC236}">
-                <a16:creationId xmlns:a16="http://schemas.microsoft.com/office/drawing/2014/main" id="{E2D28566-D02A-167A-2786-AE0E9B894796}"/>
-              </a:ext>
-            </a:extLst>
-          </p:cNvPr>
-          <p:cNvPicPr>
-            <a:picLocks noChangeAspect="1" noChangeArrowheads="1"/>
-          </p:cNvPicPr>
-          <p:nvPr/>
-        </p:nvPicPr>
-        <p:blipFill>
-          <a:blip r:embed="rId2">
-            <a:extLst>
-              <a:ext uri="{28A0092B-C50C-407E-A947-70E740481C1C}">
-                <a14:useLocalDpi xmlns:a14="http://schemas.microsoft.com/office/drawing/2010/main" val="0"/>
-              </a:ext>
-            </a:extLst>
-          </a:blip>
-          <a:srcRect/>
-          <a:stretch>
-            <a:fillRect/>
-          </a:stretch>
-        </p:blipFill>
-        <p:spPr bwMode="auto">
-          <a:xfrm>
-            <a:off x="2875182" y="2441789"/>
-            <a:ext cx="6112716" cy="4122013"/>
-          </a:xfrm>
-          <a:prstGeom prst="rect">
-            <a:avLst/>
-          </a:prstGeom>
-          <a:noFill/>
-          <a:extLst>
-            <a:ext uri="{909E8E84-426E-40DD-AFC4-6F175D3DCCD1}">
-              <a14:hiddenFill xmlns:a14="http://schemas.microsoft.com/office/drawing/2010/main">
-                <a:solidFill>
-                  <a:srgbClr val="FFFFFF"/>
-                </a:solidFill>
-              </a14:hiddenFill>
-            </a:ext>
-          </a:extLst>
-        </p:spPr>
-      </p:pic>
-    </p:spTree>
-    <p:extLst>
-      <p:ext uri="{BB962C8B-B14F-4D97-AF65-F5344CB8AC3E}">
-        <p14:creationId xmlns:p14="http://schemas.microsoft.com/office/powerpoint/2010/main" val="1676913948"/>
-      </p:ext>
-    </p:extLst>
-  </p:cSld>
-  <p:clrMapOvr>
-    <a:masterClrMapping/>
-  </p:clrMapOvr>
-</p:sld>
-</file>
-
-<file path=ppt/slides/slide9.xml><?xml version="1.0" encoding="utf-8"?>
+<file path=ppt/slides/slide7.xml><?xml version="1.0" encoding="utf-8"?>
 <p:sld xmlns:a="http://schemas.openxmlformats.org/drawingml/2006/main" xmlns:r="http://schemas.openxmlformats.org/officeDocument/2006/relationships" xmlns:p="http://schemas.openxmlformats.org/presentationml/2006/main">
   <p:cSld>
     <p:spTree>
@@ -7784,7 +6768,7 @@
                 <a:latin typeface="Arial" panose="020B0604020202020204" pitchFamily="34" charset="0"/>
                 <a:cs typeface="Arial" panose="020B0604020202020204" pitchFamily="34" charset="0"/>
               </a:rPr>
-              <a:t>Izvedba trovanja</a:t>
+              <a:t>Napad utemeljen na utjecaju</a:t>
             </a:r>
             <a:endParaRPr lang="hr-HR" dirty="0">
               <a:latin typeface="Arial" panose="020B0604020202020204" pitchFamily="34" charset="0"/>
@@ -7795,10 +6779,10 @@
       </p:sp>
       <p:sp>
         <p:nvSpPr>
-          <p:cNvPr id="3" name="Content Placeholder 2">
+          <p:cNvPr id="4" name="Slide Number Placeholder 3">
             <a:extLst>
               <a:ext uri="{FF2B5EF4-FFF2-40B4-BE49-F238E27FC236}">
-                <a16:creationId xmlns:a16="http://schemas.microsoft.com/office/drawing/2014/main" id="{E3075483-1688-2241-AEB6-2C1EC87981D0}"/>
+                <a16:creationId xmlns:a16="http://schemas.microsoft.com/office/drawing/2014/main" id="{06E9E321-8B7C-DE4C-702F-751617967B85}"/>
               </a:ext>
             </a:extLst>
           </p:cNvPr>
@@ -7806,22 +6790,48 @@
             <a:spLocks noGrp="1"/>
           </p:cNvSpPr>
           <p:nvPr>
-            <p:ph idx="1"/>
-          </p:nvPr>
-        </p:nvSpPr>
-        <p:spPr>
-          <a:xfrm>
-            <a:off x="1440432" y="5975682"/>
-            <a:ext cx="3494324" cy="493380"/>
-          </a:xfrm>
-        </p:spPr>
+            <p:ph type="sldNum" sz="quarter" idx="12"/>
+          </p:nvPr>
+        </p:nvSpPr>
+        <p:spPr/>
         <p:txBody>
           <a:bodyPr>
             <a:normAutofit lnSpcReduction="10000"/>
           </a:bodyPr>
           <a:lstStyle/>
           <a:p>
-            <a:pPr marL="0" indent="0" algn="l" rtl="0" eaLnBrk="1" latinLnBrk="0" hangingPunct="1">
+            <a:fld id="{019053DD-E1D2-4EE1-AE49-51105943DBFA}" type="slidenum">
+              <a:rPr lang="hr-HR" smtClean="0"/>
+              <a:t>6</a:t>
+            </a:fld>
+            <a:endParaRPr lang="hr-HR"/>
+          </a:p>
+        </p:txBody>
+      </p:sp>
+      <p:sp>
+        <p:nvSpPr>
+          <p:cNvPr id="8" name="Content Placeholder 7">
+            <a:extLst>
+              <a:ext uri="{FF2B5EF4-FFF2-40B4-BE49-F238E27FC236}">
+                <a16:creationId xmlns:a16="http://schemas.microsoft.com/office/drawing/2014/main" id="{503460F6-EDCB-6A50-E5EC-EEF02DF72B9A}"/>
+              </a:ext>
+            </a:extLst>
+          </p:cNvPr>
+          <p:cNvSpPr>
+            <a:spLocks noGrp="1"/>
+          </p:cNvSpPr>
+          <p:nvPr>
+            <p:ph idx="1"/>
+          </p:nvPr>
+        </p:nvSpPr>
+        <p:spPr/>
+        <p:txBody>
+          <a:bodyPr>
+            <a:normAutofit/>
+          </a:bodyPr>
+          <a:lstStyle/>
+          <a:p>
+            <a:pPr marL="182880" indent="-182880" algn="l" rtl="0" eaLnBrk="1" latinLnBrk="0" hangingPunct="1">
               <a:lnSpc>
                 <a:spcPct val="95000"/>
               </a:lnSpc>
@@ -7835,141 +6845,27 @@
                 <a:schemeClr val="accent1"/>
               </a:buClr>
               <a:buSzPct val="80000"/>
-              <a:buNone/>
+              <a:buFont typeface="Arial" panose="020B0604020202020204" pitchFamily="34" charset="0"/>
+              <a:buChar char="•"/>
             </a:pPr>
             <a:r>
-              <a:rPr lang="hr-HR" sz="2800" dirty="0">
+              <a:rPr lang="hr-HR" sz="2800" kern="1200" spc="10" baseline="0" dirty="0">
                 <a:solidFill>
                   <a:srgbClr val="595959"/>
                 </a:solidFill>
-                <a:latin typeface="Arial" panose="020B0604020202020204" pitchFamily="34" charset="0"/>
+                <a:effectLst/>
+                <a:latin typeface="Arial" panose="020B0604020202020204" pitchFamily="34" charset="0"/>
+                <a:ea typeface="+mn-ea"/>
                 <a:cs typeface="Arial" panose="020B0604020202020204" pitchFamily="34" charset="0"/>
               </a:rPr>
-              <a:t>Nesemantički okidač</a:t>
+              <a:t>inačice:</a:t>
             </a:r>
             <a:endParaRPr lang="hr-HR" sz="2800" dirty="0">
               <a:effectLst/>
             </a:endParaRPr>
           </a:p>
-        </p:txBody>
-      </p:sp>
-      <p:sp>
-        <p:nvSpPr>
-          <p:cNvPr id="4" name="Slide Number Placeholder 3">
-            <a:extLst>
-              <a:ext uri="{FF2B5EF4-FFF2-40B4-BE49-F238E27FC236}">
-                <a16:creationId xmlns:a16="http://schemas.microsoft.com/office/drawing/2014/main" id="{06E9E321-8B7C-DE4C-702F-751617967B85}"/>
-              </a:ext>
-            </a:extLst>
-          </p:cNvPr>
-          <p:cNvSpPr>
-            <a:spLocks noGrp="1"/>
-          </p:cNvSpPr>
-          <p:nvPr>
-            <p:ph type="sldNum" sz="quarter" idx="12"/>
-          </p:nvPr>
-        </p:nvSpPr>
-        <p:spPr/>
-        <p:txBody>
-          <a:bodyPr>
-            <a:normAutofit lnSpcReduction="10000"/>
-          </a:bodyPr>
-          <a:lstStyle/>
-          <a:p>
-            <a:fld id="{019053DD-E1D2-4EE1-AE49-51105943DBFA}" type="slidenum">
-              <a:rPr lang="hr-HR" smtClean="0"/>
-              <a:t>8</a:t>
-            </a:fld>
-            <a:endParaRPr lang="hr-HR"/>
-          </a:p>
-        </p:txBody>
-      </p:sp>
-      <p:pic>
-        <p:nvPicPr>
-          <p:cNvPr id="6" name="Picture 5">
-            <a:extLst>
-              <a:ext uri="{FF2B5EF4-FFF2-40B4-BE49-F238E27FC236}">
-                <a16:creationId xmlns:a16="http://schemas.microsoft.com/office/drawing/2014/main" id="{704C2FA6-58BA-4297-2E1E-18DCCF71A532}"/>
-              </a:ext>
-            </a:extLst>
-          </p:cNvPr>
-          <p:cNvPicPr>
-            <a:picLocks noChangeAspect="1"/>
-          </p:cNvPicPr>
-          <p:nvPr/>
-        </p:nvPicPr>
-        <p:blipFill rotWithShape="1">
-          <a:blip r:embed="rId2"/>
-          <a:srcRect l="2272" t="2113" r="3056" b="3018"/>
-          <a:stretch/>
-        </p:blipFill>
-        <p:spPr>
-          <a:xfrm>
-            <a:off x="810332" y="2149714"/>
-            <a:ext cx="4754524" cy="3586094"/>
-          </a:xfrm>
-          <a:prstGeom prst="rect">
-            <a:avLst/>
-          </a:prstGeom>
-        </p:spPr>
-      </p:pic>
-      <p:sp>
-        <p:nvSpPr>
-          <p:cNvPr id="7" name="Content Placeholder 2">
-            <a:extLst>
-              <a:ext uri="{FF2B5EF4-FFF2-40B4-BE49-F238E27FC236}">
-                <a16:creationId xmlns:a16="http://schemas.microsoft.com/office/drawing/2014/main" id="{CEF6D8EE-96F7-9184-5BAE-5F7B9A35A533}"/>
-              </a:ext>
-            </a:extLst>
-          </p:cNvPr>
-          <p:cNvSpPr txBox="1">
-            <a:spLocks/>
-          </p:cNvSpPr>
-          <p:nvPr/>
-        </p:nvSpPr>
-        <p:spPr>
-          <a:xfrm>
-            <a:off x="7008584" y="5975682"/>
-            <a:ext cx="3085364" cy="493380"/>
-          </a:xfrm>
-          <a:prstGeom prst="rect">
-            <a:avLst/>
-          </a:prstGeom>
-        </p:spPr>
-        <p:txBody>
-          <a:bodyPr vert="horz" lIns="91440" tIns="45720" rIns="91440" bIns="45720" rtlCol="0">
-            <a:normAutofit lnSpcReduction="10000"/>
-          </a:bodyPr>
-          <a:lstStyle>
-            <a:lvl1pPr marL="182880" indent="-182880" algn="l" defTabSz="914400" rtl="0" eaLnBrk="1" latinLnBrk="0" hangingPunct="1">
-              <a:lnSpc>
-                <a:spcPct val="95000"/>
-              </a:lnSpc>
-              <a:spcBef>
-                <a:spcPts val="1400"/>
-              </a:spcBef>
-              <a:spcAft>
-                <a:spcPts val="200"/>
-              </a:spcAft>
-              <a:buClr>
-                <a:schemeClr val="accent1"/>
-              </a:buClr>
-              <a:buSzPct val="80000"/>
-              <a:buFont typeface="Arial" pitchFamily="34" charset="0"/>
-              <a:buChar char="•"/>
-              <a:defRPr sz="2000" kern="1200" spc="10" baseline="0">
-                <a:solidFill>
-                  <a:schemeClr val="tx1">
-                    <a:lumMod val="65000"/>
-                    <a:lumOff val="35000"/>
-                  </a:schemeClr>
-                </a:solidFill>
-                <a:latin typeface="+mn-lt"/>
-                <a:ea typeface="+mn-ea"/>
-                <a:cs typeface="+mn-cs"/>
-              </a:defRPr>
-            </a:lvl1pPr>
-            <a:lvl2pPr marL="457200" indent="-182880" algn="l" defTabSz="914400" rtl="0" eaLnBrk="1" latinLnBrk="0" hangingPunct="1">
+          <a:p>
+            <a:pPr marL="457200" indent="-182880" algn="l" rtl="0" eaLnBrk="1" latinLnBrk="0" hangingPunct="1">
               <a:lnSpc>
                 <a:spcPct val="90000"/>
               </a:lnSpc>
@@ -7979,24 +6875,49 @@
               <a:spcAft>
                 <a:spcPts val="300"/>
               </a:spcAft>
-              <a:buClr>
-                <a:schemeClr val="accent1"/>
-              </a:buClr>
-              <a:buFont typeface="Wingdings 2" pitchFamily="18" charset="2"/>
-              <a:buChar char=""/>
-              <a:defRPr sz="1800" kern="1200">
+            </a:pPr>
+            <a:r>
+              <a:rPr lang="hr-HR" sz="2800" kern="1200" dirty="0">
                 <a:solidFill>
-                  <a:schemeClr val="tx1">
-                    <a:lumMod val="65000"/>
-                    <a:lumOff val="35000"/>
-                  </a:schemeClr>
+                  <a:srgbClr val="595959"/>
                 </a:solidFill>
-                <a:latin typeface="+mn-lt"/>
+                <a:effectLst/>
+                <a:latin typeface="Arial" panose="020B0604020202020204" pitchFamily="34" charset="0"/>
                 <a:ea typeface="+mn-ea"/>
-                <a:cs typeface="+mn-cs"/>
-              </a:defRPr>
-            </a:lvl2pPr>
-            <a:lvl3pPr marL="731520" indent="-182880" algn="l" defTabSz="914400" rtl="0" eaLnBrk="1" latinLnBrk="0" hangingPunct="1">
+                <a:cs typeface="Arial" panose="020B0604020202020204" pitchFamily="34" charset="0"/>
+              </a:rPr>
+              <a:t>osnovni napad (Influencer Backdoor Attack - </a:t>
+            </a:r>
+            <a:r>
+              <a:rPr lang="hr-HR" sz="2800" b="1" kern="1200" dirty="0">
+                <a:solidFill>
+                  <a:srgbClr val="595959"/>
+                </a:solidFill>
+                <a:effectLst/>
+                <a:latin typeface="Arial" panose="020B0604020202020204" pitchFamily="34" charset="0"/>
+                <a:ea typeface="+mn-ea"/>
+                <a:cs typeface="Arial" panose="020B0604020202020204" pitchFamily="34" charset="0"/>
+              </a:rPr>
+              <a:t>IBA</a:t>
+            </a:r>
+            <a:r>
+              <a:rPr lang="hr-HR" sz="2800" kern="1200" dirty="0">
+                <a:solidFill>
+                  <a:srgbClr val="595959"/>
+                </a:solidFill>
+                <a:effectLst/>
+                <a:latin typeface="Arial" panose="020B0604020202020204" pitchFamily="34" charset="0"/>
+                <a:ea typeface="+mn-ea"/>
+                <a:cs typeface="Arial" panose="020B0604020202020204" pitchFamily="34" charset="0"/>
+              </a:rPr>
+              <a:t>)</a:t>
+            </a:r>
+            <a:endParaRPr lang="hr-HR" sz="2800" dirty="0">
+              <a:effectLst/>
+            </a:endParaRPr>
+          </a:p>
+          <a:p>
+            <a:pPr marL="457200" indent="-182880" algn="l" rtl="0" eaLnBrk="1" latinLnBrk="0" hangingPunct="1">
               <a:lnSpc>
                 <a:spcPct val="90000"/>
               </a:lnSpc>
@@ -8006,24 +6927,49 @@
               <a:spcAft>
                 <a:spcPts val="300"/>
               </a:spcAft>
-              <a:buClr>
-                <a:schemeClr val="accent1"/>
-              </a:buClr>
-              <a:buFont typeface="Wingdings 2" pitchFamily="18" charset="2"/>
-              <a:buChar char=""/>
-              <a:defRPr sz="1600" kern="1200">
+            </a:pPr>
+            <a:r>
+              <a:rPr lang="hr-HR" sz="2800" kern="1200" dirty="0">
                 <a:solidFill>
-                  <a:schemeClr val="tx1">
-                    <a:lumMod val="65000"/>
-                    <a:lumOff val="35000"/>
-                  </a:schemeClr>
+                  <a:srgbClr val="595959"/>
                 </a:solidFill>
-                <a:latin typeface="+mn-lt"/>
+                <a:effectLst/>
+                <a:latin typeface="Arial" panose="020B0604020202020204" pitchFamily="34" charset="0"/>
                 <a:ea typeface="+mn-ea"/>
-                <a:cs typeface="+mn-cs"/>
-              </a:defRPr>
-            </a:lvl3pPr>
-            <a:lvl4pPr marL="1005840" indent="-182880" algn="l" defTabSz="914400" rtl="0" eaLnBrk="1" latinLnBrk="0" hangingPunct="1">
+                <a:cs typeface="Arial" panose="020B0604020202020204" pitchFamily="34" charset="0"/>
+              </a:rPr>
+              <a:t>napad zasnovan na najbližim susjedima (Nearest Neighbour Injection - </a:t>
+            </a:r>
+            <a:r>
+              <a:rPr lang="hr-HR" sz="2800" b="1" kern="1200" dirty="0">
+                <a:solidFill>
+                  <a:srgbClr val="595959"/>
+                </a:solidFill>
+                <a:effectLst/>
+                <a:latin typeface="Arial" panose="020B0604020202020204" pitchFamily="34" charset="0"/>
+                <a:ea typeface="+mn-ea"/>
+                <a:cs typeface="Arial" panose="020B0604020202020204" pitchFamily="34" charset="0"/>
+              </a:rPr>
+              <a:t>NNI</a:t>
+            </a:r>
+            <a:r>
+              <a:rPr lang="hr-HR" sz="2800" kern="1200" dirty="0">
+                <a:solidFill>
+                  <a:srgbClr val="595959"/>
+                </a:solidFill>
+                <a:effectLst/>
+                <a:latin typeface="Arial" panose="020B0604020202020204" pitchFamily="34" charset="0"/>
+                <a:ea typeface="+mn-ea"/>
+                <a:cs typeface="Arial" panose="020B0604020202020204" pitchFamily="34" charset="0"/>
+              </a:rPr>
+              <a:t>)</a:t>
+            </a:r>
+            <a:endParaRPr lang="hr-HR" sz="2800" dirty="0">
+              <a:effectLst/>
+            </a:endParaRPr>
+          </a:p>
+          <a:p>
+            <a:pPr marL="457200" indent="-182880" algn="l" rtl="0" eaLnBrk="1" latinLnBrk="0" hangingPunct="1">
               <a:lnSpc>
                 <a:spcPct val="90000"/>
               </a:lnSpc>
@@ -8033,183 +6979,315 @@
               <a:spcAft>
                 <a:spcPts val="300"/>
               </a:spcAft>
-              <a:buClr>
-                <a:schemeClr val="accent1"/>
-              </a:buClr>
-              <a:buFont typeface="Wingdings 2" pitchFamily="18" charset="2"/>
-              <a:buChar char=""/>
-              <a:defRPr sz="1400" kern="1200">
-                <a:solidFill>
-                  <a:schemeClr val="tx1">
-                    <a:lumMod val="65000"/>
-                    <a:lumOff val="35000"/>
-                  </a:schemeClr>
-                </a:solidFill>
-                <a:latin typeface="+mn-lt"/>
-                <a:ea typeface="+mn-ea"/>
-                <a:cs typeface="+mn-cs"/>
-              </a:defRPr>
-            </a:lvl4pPr>
-            <a:lvl5pPr marL="1280160" indent="-182880" algn="l" defTabSz="914400" rtl="0" eaLnBrk="1" latinLnBrk="0" hangingPunct="1">
-              <a:lnSpc>
-                <a:spcPct val="90000"/>
-              </a:lnSpc>
-              <a:spcBef>
-                <a:spcPts val="300"/>
-              </a:spcBef>
-              <a:spcAft>
-                <a:spcPts val="300"/>
-              </a:spcAft>
-              <a:buClr>
-                <a:schemeClr val="accent1"/>
-              </a:buClr>
-              <a:buFont typeface="Wingdings 2" pitchFamily="18" charset="2"/>
-              <a:buChar char=""/>
-              <a:defRPr sz="1400" kern="1200">
-                <a:solidFill>
-                  <a:schemeClr val="tx1">
-                    <a:lumMod val="65000"/>
-                    <a:lumOff val="35000"/>
-                  </a:schemeClr>
-                </a:solidFill>
-                <a:latin typeface="+mn-lt"/>
-                <a:ea typeface="+mn-ea"/>
-                <a:cs typeface="+mn-cs"/>
-              </a:defRPr>
-            </a:lvl5pPr>
-            <a:lvl6pPr marL="1600000" indent="-228600" algn="l" defTabSz="914400" rtl="0" eaLnBrk="1" latinLnBrk="0" hangingPunct="1">
-              <a:lnSpc>
-                <a:spcPct val="90000"/>
-              </a:lnSpc>
-              <a:spcBef>
-                <a:spcPts val="300"/>
-              </a:spcBef>
-              <a:spcAft>
-                <a:spcPts val="300"/>
-              </a:spcAft>
-              <a:buClr>
-                <a:schemeClr val="accent1"/>
-              </a:buClr>
-              <a:buFont typeface="Wingdings 2" pitchFamily="18" charset="2"/>
-              <a:buChar char=""/>
-              <a:defRPr sz="1400" kern="1200">
-                <a:solidFill>
-                  <a:schemeClr val="tx1">
-                    <a:lumMod val="65000"/>
-                    <a:lumOff val="35000"/>
-                  </a:schemeClr>
-                </a:solidFill>
-                <a:latin typeface="+mn-lt"/>
-                <a:ea typeface="+mn-ea"/>
-                <a:cs typeface="+mn-cs"/>
-              </a:defRPr>
-            </a:lvl6pPr>
-            <a:lvl7pPr marL="1900000" indent="-228600" algn="l" defTabSz="914400" rtl="0" eaLnBrk="1" latinLnBrk="0" hangingPunct="1">
-              <a:lnSpc>
-                <a:spcPct val="90000"/>
-              </a:lnSpc>
-              <a:spcBef>
-                <a:spcPts val="300"/>
-              </a:spcBef>
-              <a:spcAft>
-                <a:spcPts val="300"/>
-              </a:spcAft>
-              <a:buClr>
-                <a:schemeClr val="accent1"/>
-              </a:buClr>
-              <a:buFont typeface="Wingdings 2" pitchFamily="18" charset="2"/>
-              <a:buChar char=""/>
-              <a:defRPr sz="1400" kern="1200">
-                <a:solidFill>
-                  <a:schemeClr val="tx1">
-                    <a:lumMod val="65000"/>
-                    <a:lumOff val="35000"/>
-                  </a:schemeClr>
-                </a:solidFill>
-                <a:latin typeface="+mn-lt"/>
-                <a:ea typeface="+mn-ea"/>
-                <a:cs typeface="+mn-cs"/>
-              </a:defRPr>
-            </a:lvl7pPr>
-            <a:lvl8pPr marL="2200000" indent="-228600" algn="l" defTabSz="914400" rtl="0" eaLnBrk="1" latinLnBrk="0" hangingPunct="1">
-              <a:lnSpc>
-                <a:spcPct val="90000"/>
-              </a:lnSpc>
-              <a:spcBef>
-                <a:spcPts val="300"/>
-              </a:spcBef>
-              <a:spcAft>
-                <a:spcPts val="300"/>
-              </a:spcAft>
-              <a:buClr>
-                <a:schemeClr val="accent1"/>
-              </a:buClr>
-              <a:buFont typeface="Wingdings 2" pitchFamily="18" charset="2"/>
-              <a:buChar char=""/>
-              <a:defRPr sz="1400" kern="1200">
-                <a:solidFill>
-                  <a:schemeClr val="tx1">
-                    <a:lumMod val="65000"/>
-                    <a:lumOff val="35000"/>
-                  </a:schemeClr>
-                </a:solidFill>
-                <a:latin typeface="+mn-lt"/>
-                <a:ea typeface="+mn-ea"/>
-                <a:cs typeface="+mn-cs"/>
-              </a:defRPr>
-            </a:lvl8pPr>
-            <a:lvl9pPr marL="2500000" indent="-228600" algn="l" defTabSz="914400" rtl="0" eaLnBrk="1" latinLnBrk="0" hangingPunct="1">
-              <a:lnSpc>
-                <a:spcPct val="90000"/>
-              </a:lnSpc>
-              <a:spcBef>
-                <a:spcPts val="300"/>
-              </a:spcBef>
-              <a:spcAft>
-                <a:spcPts val="300"/>
-              </a:spcAft>
-              <a:buClr>
-                <a:schemeClr val="accent1"/>
-              </a:buClr>
-              <a:buFont typeface="Wingdings 2" pitchFamily="18" charset="2"/>
-              <a:buChar char=""/>
-              <a:defRPr sz="1400" kern="1200">
-                <a:solidFill>
-                  <a:schemeClr val="tx1">
-                    <a:lumMod val="65000"/>
-                    <a:lumOff val="35000"/>
-                  </a:schemeClr>
-                </a:solidFill>
-                <a:latin typeface="+mn-lt"/>
-                <a:ea typeface="+mn-ea"/>
-                <a:cs typeface="+mn-cs"/>
-              </a:defRPr>
-            </a:lvl9pPr>
-          </a:lstStyle>
-          <a:p>
-            <a:pPr marL="0" indent="0">
-              <a:buNone/>
             </a:pPr>
             <a:r>
-              <a:rPr lang="hr-HR" sz="2800" dirty="0">
+              <a:rPr lang="en-US" sz="2800" dirty="0">
                 <a:solidFill>
                   <a:srgbClr val="595959"/>
                 </a:solidFill>
                 <a:latin typeface="Arial" panose="020B0604020202020204" pitchFamily="34" charset="0"/>
                 <a:cs typeface="Arial" panose="020B0604020202020204" pitchFamily="34" charset="0"/>
               </a:rPr>
-              <a:t>Semantički okidač</a:t>
-            </a:r>
-            <a:endParaRPr lang="hr-HR" sz="2800" dirty="0"/>
+              <a:t>n</a:t>
+            </a:r>
+            <a:r>
+              <a:rPr lang="hr-HR" sz="2800" kern="1200" dirty="0">
+                <a:solidFill>
+                  <a:srgbClr val="595959"/>
+                </a:solidFill>
+                <a:effectLst/>
+                <a:latin typeface="Arial" panose="020B0604020202020204" pitchFamily="34" charset="0"/>
+                <a:ea typeface="+mn-ea"/>
+                <a:cs typeface="Arial" panose="020B0604020202020204" pitchFamily="34" charset="0"/>
+              </a:rPr>
+              <a:t>apad zasnovan na označavanju nasumičnih piksela (Pixel Random Labeling – </a:t>
+            </a:r>
+            <a:r>
+              <a:rPr lang="hr-HR" sz="2800" b="1" kern="1200" dirty="0">
+                <a:solidFill>
+                  <a:srgbClr val="595959"/>
+                </a:solidFill>
+                <a:effectLst/>
+                <a:latin typeface="Arial" panose="020B0604020202020204" pitchFamily="34" charset="0"/>
+                <a:ea typeface="+mn-ea"/>
+                <a:cs typeface="Arial" panose="020B0604020202020204" pitchFamily="34" charset="0"/>
+              </a:rPr>
+              <a:t>PRL</a:t>
+            </a:r>
+            <a:r>
+              <a:rPr lang="hr-HR" sz="2800" kern="1200" dirty="0">
+                <a:solidFill>
+                  <a:srgbClr val="595959"/>
+                </a:solidFill>
+                <a:effectLst/>
+                <a:latin typeface="Arial" panose="020B0604020202020204" pitchFamily="34" charset="0"/>
+                <a:ea typeface="+mn-ea"/>
+                <a:cs typeface="Arial" panose="020B0604020202020204" pitchFamily="34" charset="0"/>
+              </a:rPr>
+              <a:t>)</a:t>
+            </a:r>
+            <a:endParaRPr lang="hr-HR" sz="2800" dirty="0">
+              <a:effectLst/>
+            </a:endParaRPr>
+          </a:p>
+        </p:txBody>
+      </p:sp>
+    </p:spTree>
+    <p:extLst>
+      <p:ext uri="{BB962C8B-B14F-4D97-AF65-F5344CB8AC3E}">
+        <p14:creationId xmlns:p14="http://schemas.microsoft.com/office/powerpoint/2010/main" val="2941334523"/>
+      </p:ext>
+    </p:extLst>
+  </p:cSld>
+  <p:clrMapOvr>
+    <a:masterClrMapping/>
+  </p:clrMapOvr>
+</p:sld>
+</file>
+
+<file path=ppt/slides/slide8.xml><?xml version="1.0" encoding="utf-8"?>
+<p:sld xmlns:a="http://schemas.openxmlformats.org/drawingml/2006/main" xmlns:r="http://schemas.openxmlformats.org/officeDocument/2006/relationships" xmlns:p="http://schemas.openxmlformats.org/presentationml/2006/main">
+  <p:cSld>
+    <p:spTree>
+      <p:nvGrpSpPr>
+        <p:cNvPr id="1" name=""/>
+        <p:cNvGrpSpPr/>
+        <p:nvPr/>
+      </p:nvGrpSpPr>
+      <p:grpSpPr>
+        <a:xfrm>
+          <a:off x="0" y="0"/>
+          <a:ext cx="0" cy="0"/>
+          <a:chOff x="0" y="0"/>
+          <a:chExt cx="0" cy="0"/>
+        </a:xfrm>
+      </p:grpSpPr>
+      <p:sp>
+        <p:nvSpPr>
+          <p:cNvPr id="2" name="Title 1">
+            <a:extLst>
+              <a:ext uri="{FF2B5EF4-FFF2-40B4-BE49-F238E27FC236}">
+                <a16:creationId xmlns:a16="http://schemas.microsoft.com/office/drawing/2014/main" id="{015F66F4-4AF2-9F1E-BE4D-F6222070025E}"/>
+              </a:ext>
+            </a:extLst>
+          </p:cNvPr>
+          <p:cNvSpPr>
+            <a:spLocks noGrp="1"/>
+          </p:cNvSpPr>
+          <p:nvPr>
+            <p:ph type="ctrTitle"/>
+          </p:nvPr>
+        </p:nvSpPr>
+        <p:spPr/>
+        <p:txBody>
+          <a:bodyPr/>
+          <a:lstStyle/>
+          <a:p>
+            <a:r>
+              <a:rPr lang="hr-HR" dirty="0">
+                <a:latin typeface="Arial" panose="020B0604020202020204" pitchFamily="34" charset="0"/>
+                <a:cs typeface="Arial" panose="020B0604020202020204" pitchFamily="34" charset="0"/>
+              </a:rPr>
+              <a:t>Eksperimenti</a:t>
+            </a:r>
+          </a:p>
+        </p:txBody>
+      </p:sp>
+    </p:spTree>
+    <p:extLst>
+      <p:ext uri="{BB962C8B-B14F-4D97-AF65-F5344CB8AC3E}">
+        <p14:creationId xmlns:p14="http://schemas.microsoft.com/office/powerpoint/2010/main" val="1281736990"/>
+      </p:ext>
+    </p:extLst>
+  </p:cSld>
+  <p:clrMapOvr>
+    <a:masterClrMapping/>
+  </p:clrMapOvr>
+</p:sld>
+</file>
+
+<file path=ppt/slides/slide9.xml><?xml version="1.0" encoding="utf-8"?>
+<p:sld xmlns:a="http://schemas.openxmlformats.org/drawingml/2006/main" xmlns:r="http://schemas.openxmlformats.org/officeDocument/2006/relationships" xmlns:p="http://schemas.openxmlformats.org/presentationml/2006/main">
+  <p:cSld>
+    <p:spTree>
+      <p:nvGrpSpPr>
+        <p:cNvPr id="1" name=""/>
+        <p:cNvGrpSpPr/>
+        <p:nvPr/>
+      </p:nvGrpSpPr>
+      <p:grpSpPr>
+        <a:xfrm>
+          <a:off x="0" y="0"/>
+          <a:ext cx="0" cy="0"/>
+          <a:chOff x="0" y="0"/>
+          <a:chExt cx="0" cy="0"/>
+        </a:xfrm>
+      </p:grpSpPr>
+      <p:sp>
+        <p:nvSpPr>
+          <p:cNvPr id="2" name="Title 1">
+            <a:extLst>
+              <a:ext uri="{FF2B5EF4-FFF2-40B4-BE49-F238E27FC236}">
+                <a16:creationId xmlns:a16="http://schemas.microsoft.com/office/drawing/2014/main" id="{794FE518-BF5D-2ABC-255D-9818FC837A39}"/>
+              </a:ext>
+            </a:extLst>
+          </p:cNvPr>
+          <p:cNvSpPr>
+            <a:spLocks noGrp="1"/>
+          </p:cNvSpPr>
+          <p:nvPr>
+            <p:ph type="title"/>
+          </p:nvPr>
+        </p:nvSpPr>
+        <p:spPr/>
+        <p:txBody>
+          <a:bodyPr/>
+          <a:lstStyle/>
+          <a:p>
+            <a:r>
+              <a:rPr lang="hr-HR" sz="5400" dirty="0">
+                <a:latin typeface="Arial" panose="020B0604020202020204" pitchFamily="34" charset="0"/>
+                <a:cs typeface="Arial" panose="020B0604020202020204" pitchFamily="34" charset="0"/>
+              </a:rPr>
+              <a:t>Skup podataka</a:t>
+            </a:r>
+            <a:endParaRPr lang="hr-HR" dirty="0">
+              <a:latin typeface="Arial" panose="020B0604020202020204" pitchFamily="34" charset="0"/>
+              <a:cs typeface="Arial" panose="020B0604020202020204" pitchFamily="34" charset="0"/>
+            </a:endParaRPr>
+          </a:p>
+        </p:txBody>
+      </p:sp>
+      <p:sp>
+        <p:nvSpPr>
+          <p:cNvPr id="3" name="Content Placeholder 2">
+            <a:extLst>
+              <a:ext uri="{FF2B5EF4-FFF2-40B4-BE49-F238E27FC236}">
+                <a16:creationId xmlns:a16="http://schemas.microsoft.com/office/drawing/2014/main" id="{C52C608F-A7F0-C9DD-FE0A-7411086D0F8C}"/>
+              </a:ext>
+            </a:extLst>
+          </p:cNvPr>
+          <p:cNvSpPr>
+            <a:spLocks noGrp="1"/>
+          </p:cNvSpPr>
+          <p:nvPr>
+            <p:ph idx="1"/>
+          </p:nvPr>
+        </p:nvSpPr>
+        <p:spPr>
+          <a:xfrm>
+            <a:off x="1261872" y="1828801"/>
+            <a:ext cx="7678198" cy="1980104"/>
+          </a:xfrm>
+        </p:spPr>
+        <p:txBody>
+          <a:bodyPr>
+            <a:normAutofit/>
+          </a:bodyPr>
+          <a:lstStyle/>
+          <a:p>
+            <a:r>
+              <a:rPr lang="en-US" sz="2800" b="1" dirty="0">
+                <a:latin typeface="Arial" panose="020B0604020202020204" pitchFamily="34" charset="0"/>
+                <a:cs typeface="Arial" panose="020B0604020202020204" pitchFamily="34" charset="0"/>
+              </a:rPr>
+              <a:t>Cityscapes</a:t>
+            </a:r>
+            <a:endParaRPr lang="hr-HR" sz="2800" b="1" dirty="0">
+              <a:latin typeface="Arial" panose="020B0604020202020204" pitchFamily="34" charset="0"/>
+              <a:cs typeface="Arial" panose="020B0604020202020204" pitchFamily="34" charset="0"/>
+            </a:endParaRPr>
+          </a:p>
+          <a:p>
+            <a:pPr lvl="1"/>
+            <a:r>
+              <a:rPr lang="en-US" sz="2800" dirty="0">
+                <a:latin typeface="Arial" panose="020B0604020202020204" pitchFamily="34" charset="0"/>
+                <a:cs typeface="Arial" panose="020B0604020202020204" pitchFamily="34" charset="0"/>
+              </a:rPr>
+              <a:t>2975 </a:t>
+            </a:r>
+            <a:r>
+              <a:rPr lang="hr-HR" sz="2800" dirty="0">
+                <a:latin typeface="Arial" panose="020B0604020202020204" pitchFamily="34" charset="0"/>
+                <a:cs typeface="Arial" panose="020B0604020202020204" pitchFamily="34" charset="0"/>
+              </a:rPr>
+              <a:t>slika u skupu za učenje</a:t>
+            </a:r>
+          </a:p>
+          <a:p>
+            <a:pPr lvl="1"/>
+            <a:r>
+              <a:rPr lang="en-US" sz="2800" dirty="0">
+                <a:latin typeface="Arial" panose="020B0604020202020204" pitchFamily="34" charset="0"/>
+                <a:cs typeface="Arial" panose="020B0604020202020204" pitchFamily="34" charset="0"/>
+              </a:rPr>
+              <a:t>500 </a:t>
+            </a:r>
+            <a:r>
+              <a:rPr lang="hr-HR" sz="2800" dirty="0">
+                <a:latin typeface="Arial" panose="020B0604020202020204" pitchFamily="34" charset="0"/>
+                <a:cs typeface="Arial" panose="020B0604020202020204" pitchFamily="34" charset="0"/>
+              </a:rPr>
+              <a:t>slika u skupu za validaciju</a:t>
+            </a:r>
+          </a:p>
+          <a:p>
+            <a:pPr lvl="1"/>
+            <a:r>
+              <a:rPr lang="en-US" sz="2800" dirty="0">
+                <a:latin typeface="Arial" panose="020B0604020202020204" pitchFamily="34" charset="0"/>
+                <a:cs typeface="Arial" panose="020B0604020202020204" pitchFamily="34" charset="0"/>
+              </a:rPr>
+              <a:t>1525 </a:t>
+            </a:r>
+            <a:r>
+              <a:rPr lang="hr-HR" sz="2800" dirty="0">
+                <a:latin typeface="Arial" panose="020B0604020202020204" pitchFamily="34" charset="0"/>
+                <a:cs typeface="Arial" panose="020B0604020202020204" pitchFamily="34" charset="0"/>
+              </a:rPr>
+              <a:t>slika u skupu za ispitivanje</a:t>
+            </a:r>
+          </a:p>
+        </p:txBody>
+      </p:sp>
+      <p:sp>
+        <p:nvSpPr>
+          <p:cNvPr id="4" name="Slide Number Placeholder 3">
+            <a:extLst>
+              <a:ext uri="{FF2B5EF4-FFF2-40B4-BE49-F238E27FC236}">
+                <a16:creationId xmlns:a16="http://schemas.microsoft.com/office/drawing/2014/main" id="{837C1893-2DB1-FC1C-507B-1DD228B519F2}"/>
+              </a:ext>
+            </a:extLst>
+          </p:cNvPr>
+          <p:cNvSpPr>
+            <a:spLocks noGrp="1"/>
+          </p:cNvSpPr>
+          <p:nvPr>
+            <p:ph type="sldNum" sz="quarter" idx="12"/>
+          </p:nvPr>
+        </p:nvSpPr>
+        <p:spPr/>
+        <p:txBody>
+          <a:bodyPr>
+            <a:normAutofit lnSpcReduction="10000"/>
+          </a:bodyPr>
+          <a:lstStyle/>
+          <a:p>
+            <a:fld id="{019053DD-E1D2-4EE1-AE49-51105943DBFA}" type="slidenum">
+              <a:rPr lang="hr-HR" smtClean="0"/>
+              <a:t>8</a:t>
+            </a:fld>
+            <a:endParaRPr lang="hr-HR"/>
           </a:p>
         </p:txBody>
       </p:sp>
       <p:pic>
         <p:nvPicPr>
-          <p:cNvPr id="9" name="Picture 8">
+          <p:cNvPr id="6" name="Picture 5">
             <a:extLst>
               <a:ext uri="{FF2B5EF4-FFF2-40B4-BE49-F238E27FC236}">
-                <a16:creationId xmlns:a16="http://schemas.microsoft.com/office/drawing/2014/main" id="{22A5D356-744E-E218-54CB-D3D9E2E06892}"/>
+                <a16:creationId xmlns:a16="http://schemas.microsoft.com/office/drawing/2014/main" id="{0F835ADF-A5EB-9D14-9B31-B4BE5E98112D}"/>
               </a:ext>
             </a:extLst>
           </p:cNvPr>
@@ -8218,15 +7296,16 @@
           </p:cNvPicPr>
           <p:nvPr/>
         </p:nvPicPr>
-        <p:blipFill rotWithShape="1">
-          <a:blip r:embed="rId3"/>
-          <a:srcRect l="2177" t="4031" r="2093" b="2648"/>
-          <a:stretch/>
+        <p:blipFill>
+          <a:blip r:embed="rId2"/>
+          <a:stretch>
+            <a:fillRect/>
+          </a:stretch>
         </p:blipFill>
         <p:spPr>
           <a:xfrm>
-            <a:off x="6148020" y="2149714"/>
-            <a:ext cx="4806492" cy="3586093"/>
+            <a:off x="2390056" y="3808905"/>
+            <a:ext cx="7411888" cy="2956035"/>
           </a:xfrm>
           <a:prstGeom prst="rect">
             <a:avLst/>
@@ -8236,7 +7315,7 @@
     </p:spTree>
     <p:extLst>
       <p:ext uri="{BB962C8B-B14F-4D97-AF65-F5344CB8AC3E}">
-        <p14:creationId xmlns:p14="http://schemas.microsoft.com/office/powerpoint/2010/main" val="3650257408"/>
+        <p14:creationId xmlns:p14="http://schemas.microsoft.com/office/powerpoint/2010/main" val="3596415932"/>
       </p:ext>
     </p:extLst>
   </p:cSld>

--- a/Dokumentacija/Prezentacija/Trojanski napadi na modele za semantičku segmentaciju.pptx
+++ b/Dokumentacija/Prezentacija/Trojanski napadi na modele za semantičku segmentaciju.pptx
@@ -542,7 +542,7 @@
           <a:p>
             <a:fld id="{801240A7-1366-4C0F-98FF-2F422F619A42}" type="datetimeFigureOut">
               <a:rPr lang="hr-HR" smtClean="0"/>
-              <a:t>13.5.2024.</a:t>
+              <a:t>3.6.2024.</a:t>
             </a:fld>
             <a:endParaRPr lang="hr-HR"/>
           </a:p>
@@ -1004,7 +1004,7 @@
           <a:p>
             <a:fld id="{0F1F23FC-4593-46A0-8627-4FB4898CFE6A}" type="datetime1">
               <a:rPr lang="hr-HR" smtClean="0"/>
-              <a:t>13.5.2024.</a:t>
+              <a:t>3.6.2024.</a:t>
             </a:fld>
             <a:endParaRPr lang="hr-HR"/>
           </a:p>
@@ -1174,7 +1174,7 @@
           <a:p>
             <a:fld id="{56F918B9-EC1B-42EF-AB1E-95EA9FD610BC}" type="datetime1">
               <a:rPr lang="hr-HR" smtClean="0"/>
-              <a:t>13.5.2024.</a:t>
+              <a:t>3.6.2024.</a:t>
             </a:fld>
             <a:endParaRPr lang="hr-HR"/>
           </a:p>
@@ -1395,7 +1395,7 @@
           <a:p>
             <a:fld id="{F8AD8DD4-0AF3-4ED7-BE2E-274005469ABE}" type="datetime1">
               <a:rPr lang="hr-HR" smtClean="0"/>
-              <a:t>13.5.2024.</a:t>
+              <a:t>3.6.2024.</a:t>
             </a:fld>
             <a:endParaRPr lang="hr-HR"/>
           </a:p>
@@ -1606,7 +1606,7 @@
           <a:p>
             <a:fld id="{ACA0ACB3-5091-4E8D-88CE-5CB41D1F94E4}" type="datetime1">
               <a:rPr lang="hr-HR" smtClean="0"/>
-              <a:t>13.5.2024.</a:t>
+              <a:t>3.6.2024.</a:t>
             </a:fld>
             <a:endParaRPr lang="hr-HR"/>
           </a:p>
@@ -1901,7 +1901,7 @@
           <a:p>
             <a:fld id="{684ABAD5-E044-47F1-9C1C-22208BB38EE9}" type="datetime1">
               <a:rPr lang="hr-HR" smtClean="0"/>
-              <a:t>13.5.2024.</a:t>
+              <a:t>3.6.2024.</a:t>
             </a:fld>
             <a:endParaRPr lang="hr-HR"/>
           </a:p>
@@ -2230,7 +2230,7 @@
           <a:p>
             <a:fld id="{CBD5BDE3-FA6D-4164-BC33-C23781A6C8ED}" type="datetime1">
               <a:rPr lang="hr-HR" smtClean="0"/>
-              <a:t>13.5.2024.</a:t>
+              <a:t>3.6.2024.</a:t>
             </a:fld>
             <a:endParaRPr lang="hr-HR"/>
           </a:p>
@@ -2722,7 +2722,7 @@
           <a:p>
             <a:fld id="{DFD043E5-98DB-45CA-B0FE-489768F0BE00}" type="datetime1">
               <a:rPr lang="hr-HR" smtClean="0"/>
-              <a:t>13.5.2024.</a:t>
+              <a:t>3.6.2024.</a:t>
             </a:fld>
             <a:endParaRPr lang="hr-HR"/>
           </a:p>
@@ -2881,7 +2881,7 @@
           <a:p>
             <a:fld id="{B96AF0EA-D5EC-42BC-9A9B-B30ACC298175}" type="datetime1">
               <a:rPr lang="hr-HR" smtClean="0"/>
-              <a:t>13.5.2024.</a:t>
+              <a:t>3.6.2024.</a:t>
             </a:fld>
             <a:endParaRPr lang="hr-HR"/>
           </a:p>
@@ -3017,7 +3017,7 @@
           <a:p>
             <a:fld id="{7CB844D9-2224-4AF6-B510-D2B34AAEED69}" type="datetime1">
               <a:rPr lang="hr-HR" smtClean="0"/>
-              <a:t>13.5.2024.</a:t>
+              <a:t>3.6.2024.</a:t>
             </a:fld>
             <a:endParaRPr lang="hr-HR"/>
           </a:p>
@@ -3345,7 +3345,7 @@
           <a:p>
             <a:fld id="{58D0D55C-8349-440B-B556-98656E46A162}" type="datetime1">
               <a:rPr lang="hr-HR" smtClean="0"/>
-              <a:t>13.5.2024.</a:t>
+              <a:t>3.6.2024.</a:t>
             </a:fld>
             <a:endParaRPr lang="hr-HR"/>
           </a:p>
@@ -3660,7 +3660,7 @@
           <a:p>
             <a:fld id="{A7CCABBD-3797-4C2E-A7D8-DA98DA04BB92}" type="datetime1">
               <a:rPr lang="hr-HR" smtClean="0"/>
-              <a:t>13.5.2024.</a:t>
+              <a:t>3.6.2024.</a:t>
             </a:fld>
             <a:endParaRPr lang="hr-HR"/>
           </a:p>
@@ -3912,7 +3912,7 @@
           <a:p>
             <a:fld id="{419F11F9-7281-45ED-B795-9A46AD1413F0}" type="datetime1">
               <a:rPr lang="hr-HR" smtClean="0"/>
-              <a:t>13.5.2024.</a:t>
+              <a:t>3.6.2024.</a:t>
             </a:fld>
             <a:endParaRPr lang="hr-HR"/>
           </a:p>
@@ -4621,7 +4621,7 @@
                 <a:ea typeface="+mn-ea"/>
                 <a:cs typeface="Arial" panose="020B0604020202020204" pitchFamily="34" charset="0"/>
               </a:rPr>
-              <a:t>Single-Scale SwiftNet</a:t>
+              <a:t>Jednorazinski SwiftNet</a:t>
             </a:r>
             <a:endParaRPr lang="hr-HR" sz="2800" b="1" dirty="0">
               <a:effectLst/>
@@ -4776,10 +4776,10 @@
       </p:sp>
       <p:pic>
         <p:nvPicPr>
-          <p:cNvPr id="5" name="Picture 4">
+          <p:cNvPr id="3" name="Picture 2">
             <a:extLst>
               <a:ext uri="{FF2B5EF4-FFF2-40B4-BE49-F238E27FC236}">
-                <a16:creationId xmlns:a16="http://schemas.microsoft.com/office/drawing/2014/main" id="{6D7E2C0F-E212-3AC9-F747-9ECB34D9C710}"/>
+                <a16:creationId xmlns:a16="http://schemas.microsoft.com/office/drawing/2014/main" id="{EAFCF057-7496-35D0-28FF-7750203A99B5}"/>
               </a:ext>
             </a:extLst>
           </p:cNvPr>
@@ -4796,8 +4796,8 @@
         </p:blipFill>
         <p:spPr>
           <a:xfrm>
-            <a:off x="2409310" y="156706"/>
-            <a:ext cx="7373379" cy="6544588"/>
+            <a:off x="2610242" y="156706"/>
+            <a:ext cx="6971513" cy="6500048"/>
           </a:xfrm>
           <a:prstGeom prst="rect">
             <a:avLst/>
@@ -5229,7 +5229,7 @@
                 <a:latin typeface="Arial" panose="020B0604020202020204" pitchFamily="34" charset="0"/>
                 <a:cs typeface="Arial" panose="020B0604020202020204" pitchFamily="34" charset="0"/>
               </a:rPr>
-              <a:t>modeli za semantičku segmentaciju također su ranjivi na napad trovanjem podataka</a:t>
+              <a:t>modeli semantičke segmentacije također su ranjivi na trovanje podataka</a:t>
             </a:r>
           </a:p>
           <a:p>
@@ -5243,18 +5243,21 @@
           </a:p>
           <a:p>
             <a:r>
-              <a:rPr lang="hr-HR" sz="2800">
+              <a:rPr lang="hr-HR" sz="2800" dirty="0">
                 <a:latin typeface="Arial" panose="020B0604020202020204" pitchFamily="34" charset="0"/>
                 <a:cs typeface="Arial" panose="020B0604020202020204" pitchFamily="34" charset="0"/>
               </a:rPr>
-              <a:t>mogući smjerovi </a:t>
-            </a:r>
+              <a:t>budući rad: </a:t>
+            </a:r>
+          </a:p>
+          <a:p>
+            <a:pPr lvl="1"/>
             <a:r>
               <a:rPr lang="hr-HR" sz="2800" dirty="0">
                 <a:latin typeface="Arial" panose="020B0604020202020204" pitchFamily="34" charset="0"/>
                 <a:cs typeface="Arial" panose="020B0604020202020204" pitchFamily="34" charset="0"/>
               </a:rPr>
-              <a:t>budućeg rada: </a:t>
+              <a:t>provođenje eksperimenata na drugim arhitekturama – npr. višerazinski SwiftNet</a:t>
             </a:r>
           </a:p>
           <a:p>
@@ -5264,17 +5267,7 @@
                 <a:latin typeface="Arial" panose="020B0604020202020204" pitchFamily="34" charset="0"/>
                 <a:cs typeface="Arial" panose="020B0604020202020204" pitchFamily="34" charset="0"/>
               </a:rPr>
-              <a:t>provođenje eksperimenata na drugim arhitekturama – npr. Multi-Scale SwiftNet</a:t>
-            </a:r>
-          </a:p>
-          <a:p>
-            <a:pPr lvl="1"/>
-            <a:r>
-              <a:rPr lang="hr-HR" sz="2800" dirty="0">
-                <a:latin typeface="Arial" panose="020B0604020202020204" pitchFamily="34" charset="0"/>
-                <a:cs typeface="Arial" panose="020B0604020202020204" pitchFamily="34" charset="0"/>
-              </a:rPr>
-              <a:t>proučavanje mogućih načina obrane modela za semantičku segmentaciju</a:t>
+              <a:t>proučavanje obrane od prikazanih trojanskih napada na segmentacijske modele</a:t>
             </a:r>
           </a:p>
         </p:txBody>
@@ -5444,7 +5437,7 @@
                 <a:latin typeface="Arial" panose="020B0604020202020204" pitchFamily="34" charset="0"/>
                 <a:cs typeface="Arial" panose="020B0604020202020204" pitchFamily="34" charset="0"/>
               </a:rPr>
-              <a:t>Slajd 4, primjer zatrovanih podataka: preuzeto s </a:t>
+              <a:t>Slajd 4, primjer trovanja podataka: preuzeto s </a:t>
             </a:r>
             <a:r>
               <a:rPr lang="hr-HR" sz="2200" dirty="0">
@@ -5535,7 +5528,7 @@
                 <a:latin typeface="Arial" panose="020B0604020202020204" pitchFamily="34" charset="0"/>
                 <a:cs typeface="Arial" panose="020B0604020202020204" pitchFamily="34" charset="0"/>
               </a:rPr>
-              <a:t>Slajd 9, arhitektura Single-Scale SwiftNet: preuzeto iz </a:t>
+              <a:t>Slajd 9, arhitektura jednorazinski SwiftNet: preuzeto iz </a:t>
             </a:r>
             <a:r>
               <a:rPr lang="hr-HR" sz="2400" b="0" i="0" dirty="0">
@@ -5814,7 +5807,7 @@
                 <a:latin typeface="Arial" panose="020B0604020202020204" pitchFamily="34" charset="0"/>
                 <a:cs typeface="Arial" panose="020B0604020202020204" pitchFamily="34" charset="0"/>
               </a:rPr>
-              <a:t>Zatrovani podatci</a:t>
+              <a:t>Trovanje podataka</a:t>
             </a:r>
           </a:p>
           <a:p>
@@ -6022,7 +6015,7 @@
                 <a:latin typeface="Arial" panose="020B0604020202020204" pitchFamily="34" charset="0"/>
                 <a:cs typeface="Arial" panose="020B0604020202020204" pitchFamily="34" charset="0"/>
               </a:rPr>
-              <a:t>mnogo istraživanja za „klasične” klasifikatore</a:t>
+              <a:t>mnogo istraživanja za modele za klasifikaciju slike</a:t>
             </a:r>
           </a:p>
           <a:p>
@@ -6071,7 +6064,7 @@
                 <a:latin typeface="Arial" panose="020B0604020202020204" pitchFamily="34" charset="0"/>
                 <a:cs typeface="Arial" panose="020B0604020202020204" pitchFamily="34" charset="0"/>
               </a:rPr>
-              <a:t>zatrovani podatci</a:t>
+              <a:t>trovanje podataka</a:t>
             </a:r>
           </a:p>
         </p:txBody>
@@ -6315,7 +6308,7 @@
                 <a:latin typeface="Arial" panose="020B0604020202020204" pitchFamily="34" charset="0"/>
                 <a:cs typeface="Arial" panose="020B0604020202020204" pitchFamily="34" charset="0"/>
               </a:rPr>
-              <a:t>Zatrovani podatci</a:t>
+              <a:t>Trovanje podataka</a:t>
             </a:r>
             <a:endParaRPr lang="hr-HR" dirty="0">
               <a:latin typeface="Arial" panose="020B0604020202020204" pitchFamily="34" charset="0"/>
@@ -6353,11 +6346,18 @@
           <a:lstStyle/>
           <a:p>
             <a:r>
+              <a:rPr lang="hr-HR" sz="2800" b="1" dirty="0">
+                <a:latin typeface="Arial" panose="020B0604020202020204" pitchFamily="34" charset="0"/>
+                <a:cs typeface="Arial" panose="020B0604020202020204" pitchFamily="34" charset="0"/>
+              </a:rPr>
+              <a:t>zatrovani podatci </a:t>
+            </a:r>
+            <a:r>
               <a:rPr lang="hr-HR" sz="2800" dirty="0">
                 <a:latin typeface="Arial" panose="020B0604020202020204" pitchFamily="34" charset="0"/>
                 <a:cs typeface="Arial" panose="020B0604020202020204" pitchFamily="34" charset="0"/>
               </a:rPr>
-              <a:t>slike na koje je nadodan </a:t>
+              <a:t>- slike na koje je nadodan </a:t>
             </a:r>
             <a:r>
               <a:rPr lang="hr-HR" sz="2800" b="1" dirty="0">
@@ -6938,7 +6938,7 @@
                 <a:ea typeface="+mn-ea"/>
                 <a:cs typeface="Arial" panose="020B0604020202020204" pitchFamily="34" charset="0"/>
               </a:rPr>
-              <a:t>napad zasnovan na najbližim susjedima (Nearest Neighbour Injection - </a:t>
+              <a:t>napad utemeljen na najbližim susjedima (Nearest Neighbour Injection - </a:t>
             </a:r>
             <a:r>
               <a:rPr lang="hr-HR" sz="2800" b="1" kern="1200" dirty="0">
@@ -7000,7 +7000,7 @@
                 <a:ea typeface="+mn-ea"/>
                 <a:cs typeface="Arial" panose="020B0604020202020204" pitchFamily="34" charset="0"/>
               </a:rPr>
-              <a:t>apad zasnovan na označavanju nasumičnih piksela (Pixel Random Labeling – </a:t>
+              <a:t>apad utemeljen na izmjeni oznaka nasumičnih piksela (Pixel Random Labeling – </a:t>
             </a:r>
             <a:r>
               <a:rPr lang="hr-HR" sz="2800" b="1" kern="1200" dirty="0">
